--- a/발표자료/OJT발표(중간).pptx
+++ b/발표자료/OJT발표(중간).pptx
@@ -216,7 +216,7 @@
           <a:p>
             <a:fld id="{33398EAE-AB8D-47C0-B86E-CF4FDCF12E98}" type="datetimeFigureOut">
               <a:rPr lang="ko-KR" altLang="en-US" smtClean="0"/>
-              <a:t>2022-07-21</a:t>
+              <a:t>2022-07-30</a:t>
             </a:fld>
             <a:endParaRPr lang="ko-KR" altLang="en-US"/>
           </a:p>
@@ -529,11 +529,63 @@
           <a:p>
             <a:r>
               <a:rPr lang="ko-KR" altLang="en-US" dirty="0"/>
-              <a:t>성과발표회를 통해 공유하고 싶은 성과</a:t>
-            </a:r>
+              <a:t>제가 어떻게 성장해왔는지 말씀드리겠습니다</a:t>
+            </a:r>
+            <a:r>
+              <a:rPr lang="en-US" altLang="ko-KR" dirty="0"/>
+              <a:t>.</a:t>
+            </a:r>
+          </a:p>
+          <a:p>
             <a:endParaRPr lang="en-US" altLang="ko-KR" dirty="0"/>
           </a:p>
           <a:p>
+            <a:r>
+              <a:rPr lang="ko-KR" altLang="en-US" dirty="0"/>
+              <a:t>초반에 공부 </a:t>
+            </a:r>
+            <a:r>
+              <a:rPr lang="en-US" altLang="ko-KR" dirty="0"/>
+              <a:t>&gt;&gt; </a:t>
+            </a:r>
+            <a:r>
+              <a:rPr lang="ko-KR" altLang="en-US" dirty="0"/>
+              <a:t>성장하기 좋은 환경이다</a:t>
+            </a:r>
+            <a:r>
+              <a:rPr lang="en-US" altLang="ko-KR" dirty="0"/>
+              <a:t>. </a:t>
+            </a:r>
+          </a:p>
+          <a:p>
+            <a:r>
+              <a:rPr lang="ko-KR" altLang="en-US" dirty="0"/>
+              <a:t>어려운 연구 </a:t>
+            </a:r>
+            <a:r>
+              <a:rPr lang="en-US" altLang="ko-KR" dirty="0"/>
+              <a:t>&gt;&gt; </a:t>
+            </a:r>
+            <a:r>
+              <a:rPr lang="ko-KR" altLang="en-US" dirty="0"/>
+              <a:t>스스로 학습해가는 능력을 기른다 </a:t>
+            </a:r>
+            <a:r>
+              <a:rPr lang="en-US" altLang="ko-KR" dirty="0"/>
+              <a:t>+ </a:t>
+            </a:r>
+            <a:r>
+              <a:rPr lang="ko-KR" altLang="en-US" dirty="0"/>
+              <a:t>실무에 필요한 기술을 배운다 </a:t>
+            </a:r>
+            <a:r>
+              <a:rPr lang="en-US" altLang="ko-KR" dirty="0"/>
+              <a:t>+ </a:t>
+            </a:r>
+            <a:r>
+              <a:rPr lang="ko-KR" altLang="en-US"/>
+              <a:t>성장하기 좋은 환경</a:t>
+            </a:r>
             <a:endParaRPr lang="ko-KR" altLang="en-US" dirty="0"/>
           </a:p>
         </p:txBody>
@@ -545,7 +597,7 @@
             <a:spLocks noGrp="1"/>
           </p:cNvSpPr>
           <p:nvPr>
-            <p:ph type="sldNum" sz="quarter" idx="10"/>
+            <p:ph type="sldNum" sz="quarter" idx="5"/>
           </p:nvPr>
         </p:nvSpPr>
         <p:spPr/>
@@ -555,7 +607,7 @@
           <a:p>
             <a:fld id="{19F844F6-2859-485D-A4C9-11B541D70E1F}" type="slidenum">
               <a:rPr lang="ko-KR" altLang="en-US" smtClean="0"/>
-              <a:t>2</a:t>
+              <a:t>1</a:t>
             </a:fld>
             <a:endParaRPr lang="ko-KR" altLang="en-US"/>
           </a:p>
@@ -564,7 +616,7 @@
     </p:spTree>
     <p:extLst>
       <p:ext uri="{BB962C8B-B14F-4D97-AF65-F5344CB8AC3E}">
-        <p14:creationId xmlns:p14="http://schemas.microsoft.com/office/powerpoint/2010/main" val="2394932775"/>
+        <p14:creationId xmlns:p14="http://schemas.microsoft.com/office/powerpoint/2010/main" val="3657665144"/>
       </p:ext>
     </p:extLst>
   </p:cSld>
@@ -618,6 +670,22 @@
           <a:bodyPr/>
           <a:lstStyle/>
           <a:p>
+            <a:r>
+              <a:rPr lang="ko-KR" altLang="en-US" dirty="0"/>
+              <a:t>결과를 통해 </a:t>
+            </a:r>
+            <a:r>
+              <a:rPr lang="en-US" altLang="ko-KR" dirty="0"/>
+              <a:t>element</a:t>
+            </a:r>
+            <a:r>
+              <a:rPr lang="ko-KR" altLang="en-US" dirty="0"/>
+              <a:t>가 중요하다는 것을 알 수 있다</a:t>
+            </a:r>
+            <a:r>
+              <a:rPr lang="en-US" altLang="ko-KR" dirty="0"/>
+              <a:t>.</a:t>
+            </a:r>
             <a:endParaRPr lang="ko-KR" altLang="en-US" dirty="0"/>
           </a:p>
         </p:txBody>
@@ -639,7 +707,7 @@
           <a:p>
             <a:fld id="{19F844F6-2859-485D-A4C9-11B541D70E1F}" type="slidenum">
               <a:rPr lang="ko-KR" altLang="en-US" smtClean="0"/>
-              <a:t>13</a:t>
+              <a:t>11</a:t>
             </a:fld>
             <a:endParaRPr lang="ko-KR" altLang="en-US"/>
           </a:p>
@@ -648,7 +716,7 @@
     </p:spTree>
     <p:extLst>
       <p:ext uri="{BB962C8B-B14F-4D97-AF65-F5344CB8AC3E}">
-        <p14:creationId xmlns:p14="http://schemas.microsoft.com/office/powerpoint/2010/main" val="3822025867"/>
+        <p14:creationId xmlns:p14="http://schemas.microsoft.com/office/powerpoint/2010/main" val="975521947"/>
       </p:ext>
     </p:extLst>
   </p:cSld>
@@ -702,26 +770,6 @@
           <a:bodyPr/>
           <a:lstStyle/>
           <a:p>
-            <a:pPr marL="0" marR="0" lvl="0" indent="0" algn="l" defTabSz="914400" rtl="0" eaLnBrk="1" fontAlgn="auto" latinLnBrk="1" hangingPunct="1">
-              <a:lnSpc>
-                <a:spcPct val="100000"/>
-              </a:lnSpc>
-              <a:spcBef>
-                <a:spcPts val="0"/>
-              </a:spcBef>
-              <a:spcAft>
-                <a:spcPts val="0"/>
-              </a:spcAft>
-              <a:buClrTx/>
-              <a:buSzTx/>
-              <a:buFontTx/>
-              <a:buNone/>
-              <a:tabLst/>
-              <a:defRPr/>
-            </a:pPr>
-            <a:endParaRPr lang="en-US" altLang="ko-KR" dirty="0"/>
-          </a:p>
-          <a:p>
             <a:endParaRPr lang="ko-KR" altLang="en-US" dirty="0"/>
           </a:p>
         </p:txBody>
@@ -743,7 +791,7 @@
           <a:p>
             <a:fld id="{19F844F6-2859-485D-A4C9-11B541D70E1F}" type="slidenum">
               <a:rPr lang="ko-KR" altLang="en-US" smtClean="0"/>
-              <a:t>14</a:t>
+              <a:t>13</a:t>
             </a:fld>
             <a:endParaRPr lang="ko-KR" altLang="en-US"/>
           </a:p>
@@ -752,7 +800,7 @@
     </p:spTree>
     <p:extLst>
       <p:ext uri="{BB962C8B-B14F-4D97-AF65-F5344CB8AC3E}">
-        <p14:creationId xmlns:p14="http://schemas.microsoft.com/office/powerpoint/2010/main" val="3636585426"/>
+        <p14:creationId xmlns:p14="http://schemas.microsoft.com/office/powerpoint/2010/main" val="3822025867"/>
       </p:ext>
     </p:extLst>
   </p:cSld>
@@ -806,41 +854,27 @@
           <a:bodyPr/>
           <a:lstStyle/>
           <a:p>
-            <a:r>
-              <a:rPr lang="en-US" altLang="ko-KR" dirty="0" err="1" smtClean="0"/>
-              <a:t>Mecsolver</a:t>
-            </a:r>
-            <a:r>
-              <a:rPr lang="ko-KR" altLang="en-US" dirty="0"/>
-              <a:t>와</a:t>
-            </a:r>
-            <a:r>
-              <a:rPr lang="en-US" altLang="ko-KR" baseline="0" dirty="0"/>
-              <a:t> </a:t>
-            </a:r>
-            <a:r>
-              <a:rPr lang="en-US" altLang="ko-KR" dirty="0"/>
-              <a:t>MITC3+</a:t>
-            </a:r>
-            <a:r>
-              <a:rPr lang="ko-KR" altLang="en-US" dirty="0"/>
-              <a:t>논문에</a:t>
-            </a:r>
-            <a:r>
-              <a:rPr lang="en-US" altLang="ko-KR" dirty="0"/>
-              <a:t> 4.1 4.3 </a:t>
-            </a:r>
-            <a:r>
-              <a:rPr lang="ko-KR" altLang="en-US" dirty="0"/>
-              <a:t>결과 비교하기</a:t>
-            </a:r>
+            <a:pPr marL="0" marR="0" lvl="0" indent="0" algn="l" defTabSz="914400" rtl="0" eaLnBrk="1" fontAlgn="auto" latinLnBrk="1" hangingPunct="1">
+              <a:lnSpc>
+                <a:spcPct val="100000"/>
+              </a:lnSpc>
+              <a:spcBef>
+                <a:spcPts val="0"/>
+              </a:spcBef>
+              <a:spcAft>
+                <a:spcPts val="0"/>
+              </a:spcAft>
+              <a:buClrTx/>
+              <a:buSzTx/>
+              <a:buFontTx/>
+              <a:buNone/>
+              <a:tabLst/>
+              <a:defRPr/>
+            </a:pPr>
             <a:endParaRPr lang="en-US" altLang="ko-KR" dirty="0"/>
           </a:p>
           <a:p>
-            <a:r>
-              <a:rPr lang="ko-KR" altLang="en-US" dirty="0"/>
-              <a:t>요소 끝나면 소성변형</a:t>
-            </a:r>
+            <a:endParaRPr lang="ko-KR" altLang="en-US" dirty="0"/>
           </a:p>
         </p:txBody>
       </p:sp>
@@ -861,7 +895,7 @@
           <a:p>
             <a:fld id="{19F844F6-2859-485D-A4C9-11B541D70E1F}" type="slidenum">
               <a:rPr lang="ko-KR" altLang="en-US" smtClean="0"/>
-              <a:t>17</a:t>
+              <a:t>14</a:t>
             </a:fld>
             <a:endParaRPr lang="ko-KR" altLang="en-US"/>
           </a:p>
@@ -870,7 +904,7 @@
     </p:spTree>
     <p:extLst>
       <p:ext uri="{BB962C8B-B14F-4D97-AF65-F5344CB8AC3E}">
-        <p14:creationId xmlns:p14="http://schemas.microsoft.com/office/powerpoint/2010/main" val="305439736"/>
+        <p14:creationId xmlns:p14="http://schemas.microsoft.com/office/powerpoint/2010/main" val="3636585426"/>
       </p:ext>
     </p:extLst>
   </p:cSld>
@@ -925,67 +959,185 @@
           <a:lstStyle/>
           <a:p>
             <a:r>
-              <a:rPr lang="en-US" altLang="ko-KR" dirty="0" smtClean="0"/>
+              <a:rPr lang="en-US" altLang="ko-KR" dirty="0" err="1"/>
+              <a:t>Mecsolver</a:t>
+            </a:r>
+            <a:r>
+              <a:rPr lang="ko-KR" altLang="en-US" dirty="0"/>
+              <a:t>와</a:t>
+            </a:r>
+            <a:r>
+              <a:rPr lang="en-US" altLang="ko-KR" baseline="0" dirty="0"/>
+              <a:t> </a:t>
+            </a:r>
+            <a:r>
+              <a:rPr lang="en-US" altLang="ko-KR" dirty="0"/>
+              <a:t>MITC3+</a:t>
+            </a:r>
+            <a:r>
+              <a:rPr lang="ko-KR" altLang="en-US" dirty="0"/>
+              <a:t>논문에</a:t>
+            </a:r>
+            <a:r>
+              <a:rPr lang="en-US" altLang="ko-KR" dirty="0"/>
+              <a:t> 4.1 4.3 </a:t>
+            </a:r>
+            <a:r>
+              <a:rPr lang="ko-KR" altLang="en-US" dirty="0"/>
+              <a:t>결과 비교하기</a:t>
+            </a:r>
+            <a:endParaRPr lang="en-US" altLang="ko-KR" dirty="0"/>
+          </a:p>
+          <a:p>
+            <a:r>
+              <a:rPr lang="ko-KR" altLang="en-US" dirty="0"/>
+              <a:t>요소 끝나면 소성변형</a:t>
+            </a:r>
+          </a:p>
+        </p:txBody>
+      </p:sp>
+      <p:sp>
+        <p:nvSpPr>
+          <p:cNvPr id="4" name="슬라이드 번호 개체 틀 3"/>
+          <p:cNvSpPr>
+            <a:spLocks noGrp="1"/>
+          </p:cNvSpPr>
+          <p:nvPr>
+            <p:ph type="sldNum" sz="quarter" idx="10"/>
+          </p:nvPr>
+        </p:nvSpPr>
+        <p:spPr/>
+        <p:txBody>
+          <a:bodyPr/>
+          <a:lstStyle/>
+          <a:p>
+            <a:fld id="{19F844F6-2859-485D-A4C9-11B541D70E1F}" type="slidenum">
+              <a:rPr lang="ko-KR" altLang="en-US" smtClean="0"/>
+              <a:t>17</a:t>
+            </a:fld>
+            <a:endParaRPr lang="ko-KR" altLang="en-US"/>
+          </a:p>
+        </p:txBody>
+      </p:sp>
+    </p:spTree>
+    <p:extLst>
+      <p:ext uri="{BB962C8B-B14F-4D97-AF65-F5344CB8AC3E}">
+        <p14:creationId xmlns:p14="http://schemas.microsoft.com/office/powerpoint/2010/main" val="305439736"/>
+      </p:ext>
+    </p:extLst>
+  </p:cSld>
+  <p:clrMapOvr>
+    <a:masterClrMapping/>
+  </p:clrMapOvr>
+</p:notes>
+</file>
+
+<file path=ppt/notesSlides/notesSlide14.xml><?xml version="1.0" encoding="utf-8"?>
+<p:notes xmlns:a="http://schemas.openxmlformats.org/drawingml/2006/main" xmlns:r="http://schemas.openxmlformats.org/officeDocument/2006/relationships" xmlns:p="http://schemas.openxmlformats.org/presentationml/2006/main">
+  <p:cSld>
+    <p:spTree>
+      <p:nvGrpSpPr>
+        <p:cNvPr id="1" name=""/>
+        <p:cNvGrpSpPr/>
+        <p:nvPr/>
+      </p:nvGrpSpPr>
+      <p:grpSpPr>
+        <a:xfrm>
+          <a:off x="0" y="0"/>
+          <a:ext cx="0" cy="0"/>
+          <a:chOff x="0" y="0"/>
+          <a:chExt cx="0" cy="0"/>
+        </a:xfrm>
+      </p:grpSpPr>
+      <p:sp>
+        <p:nvSpPr>
+          <p:cNvPr id="2" name="슬라이드 이미지 개체 틀 1"/>
+          <p:cNvSpPr>
+            <a:spLocks noGrp="1" noRot="1" noChangeAspect="1"/>
+          </p:cNvSpPr>
+          <p:nvPr>
+            <p:ph type="sldImg"/>
+          </p:nvPr>
+        </p:nvSpPr>
+        <p:spPr/>
+      </p:sp>
+      <p:sp>
+        <p:nvSpPr>
+          <p:cNvPr id="3" name="슬라이드 노트 개체 틀 2"/>
+          <p:cNvSpPr>
+            <a:spLocks noGrp="1"/>
+          </p:cNvSpPr>
+          <p:nvPr>
+            <p:ph type="body" idx="1"/>
+          </p:nvPr>
+        </p:nvSpPr>
+        <p:spPr/>
+        <p:txBody>
+          <a:bodyPr/>
+          <a:lstStyle/>
+          <a:p>
+            <a:r>
+              <a:rPr lang="en-US" altLang="ko-KR" dirty="0"/>
               <a:t>Feedback:</a:t>
             </a:r>
           </a:p>
           <a:p>
             <a:r>
-              <a:rPr lang="en-US" altLang="ko-KR" baseline="0" dirty="0" smtClean="0"/>
+              <a:rPr lang="en-US" altLang="ko-KR" baseline="0" dirty="0"/>
               <a:t>-</a:t>
             </a:r>
             <a:r>
-              <a:rPr lang="ko-KR" altLang="en-US" baseline="0" dirty="0" smtClean="0"/>
+              <a:rPr lang="ko-KR" altLang="en-US" baseline="0" dirty="0"/>
               <a:t>향후에 </a:t>
             </a:r>
             <a:r>
-              <a:rPr lang="en-US" altLang="ko-KR" baseline="0" dirty="0" smtClean="0"/>
+              <a:rPr lang="en-US" altLang="ko-KR" baseline="0" dirty="0"/>
               <a:t>Solver</a:t>
             </a:r>
             <a:r>
-              <a:rPr lang="ko-KR" altLang="en-US" baseline="0" dirty="0" err="1" smtClean="0"/>
+              <a:rPr lang="ko-KR" altLang="en-US" baseline="0" dirty="0" err="1"/>
               <a:t>뿐만아니라</a:t>
             </a:r>
             <a:r>
-              <a:rPr lang="ko-KR" altLang="en-US" baseline="0" dirty="0" smtClean="0"/>
+              <a:rPr lang="ko-KR" altLang="en-US" baseline="0" dirty="0"/>
               <a:t> </a:t>
             </a:r>
             <a:r>
-              <a:rPr lang="ko-KR" altLang="en-US" baseline="0" dirty="0" err="1" smtClean="0"/>
+              <a:rPr lang="ko-KR" altLang="en-US" baseline="0" dirty="0" err="1"/>
               <a:t>전후처리까지</a:t>
             </a:r>
             <a:r>
-              <a:rPr lang="ko-KR" altLang="en-US" baseline="0" dirty="0" smtClean="0"/>
+              <a:rPr lang="ko-KR" altLang="en-US" baseline="0" dirty="0"/>
               <a:t> 포함해 제품 전체를 이해하는 시간을 </a:t>
             </a:r>
             <a:r>
-              <a:rPr lang="ko-KR" altLang="en-US" baseline="0" dirty="0" err="1" smtClean="0"/>
+              <a:rPr lang="ko-KR" altLang="en-US" baseline="0" dirty="0" err="1"/>
               <a:t>갖었으면</a:t>
             </a:r>
             <a:r>
-              <a:rPr lang="ko-KR" altLang="en-US" baseline="0" dirty="0" smtClean="0"/>
+              <a:rPr lang="ko-KR" altLang="en-US" baseline="0" dirty="0"/>
               <a:t> 좋겠다</a:t>
             </a:r>
             <a:r>
-              <a:rPr lang="en-US" altLang="ko-KR" baseline="0" dirty="0" smtClean="0"/>
+              <a:rPr lang="en-US" altLang="ko-KR" baseline="0" dirty="0"/>
               <a:t>.</a:t>
             </a:r>
           </a:p>
           <a:p>
             <a:r>
-              <a:rPr lang="en-US" altLang="ko-KR" baseline="0" dirty="0" smtClean="0"/>
+              <a:rPr lang="en-US" altLang="ko-KR" baseline="0" dirty="0"/>
               <a:t>-</a:t>
             </a:r>
             <a:r>
-              <a:rPr lang="ko-KR" altLang="en-US" baseline="0" dirty="0" err="1" smtClean="0"/>
+              <a:rPr lang="ko-KR" altLang="en-US" baseline="0" dirty="0" err="1"/>
               <a:t>과정중에</a:t>
             </a:r>
             <a:r>
-              <a:rPr lang="ko-KR" altLang="en-US" baseline="0" dirty="0" smtClean="0"/>
+              <a:rPr lang="ko-KR" altLang="en-US" baseline="0" dirty="0"/>
               <a:t> 어떤 성장을 이뤘는지가 잘 들어나면 좋겠다</a:t>
             </a:r>
             <a:r>
-              <a:rPr lang="en-US" altLang="ko-KR" baseline="0" dirty="0" smtClean="0"/>
+              <a:rPr lang="en-US" altLang="ko-KR" baseline="0" dirty="0"/>
               <a:t>.</a:t>
             </a:r>
             <a:endParaRPr lang="ko-KR" altLang="en-US" dirty="0"/>
@@ -1074,39 +1226,9 @@
           <a:p>
             <a:r>
               <a:rPr lang="ko-KR" altLang="en-US" dirty="0"/>
-              <a:t>첫번째 </a:t>
-            </a:r>
-            <a:r>
-              <a:rPr lang="en-US" altLang="ko-KR" dirty="0"/>
-              <a:t>OJT </a:t>
-            </a:r>
-            <a:r>
-              <a:rPr lang="ko-KR" altLang="en-US" dirty="0"/>
-              <a:t>과제로써 공부하였던 책입니다</a:t>
-            </a:r>
-            <a:r>
-              <a:rPr lang="en-US" altLang="ko-KR" dirty="0"/>
-              <a:t>.</a:t>
-            </a:r>
-          </a:p>
-          <a:p>
-            <a:r>
-              <a:rPr lang="ko-KR" altLang="en-US" dirty="0"/>
-              <a:t>이 과제를 수행하면서 왜 가장 먼저 책을 공부하는 </a:t>
-            </a:r>
-            <a:r>
-              <a:rPr lang="en-US" altLang="ko-KR" dirty="0"/>
-              <a:t>OJT </a:t>
-            </a:r>
-            <a:r>
-              <a:rPr lang="ko-KR" altLang="en-US" dirty="0"/>
-              <a:t>과제가 주어졌는지 고민해보았습니다</a:t>
-            </a:r>
-            <a:r>
-              <a:rPr lang="en-US" altLang="ko-KR" dirty="0"/>
-              <a:t>.</a:t>
-            </a:r>
-            <a:endParaRPr lang="ko-KR" altLang="en-US" dirty="0"/>
+              <a:t>성과발표회를 통해 공유하고 싶은 성과</a:t>
+            </a:r>
+            <a:endParaRPr lang="en-US" altLang="ko-KR" dirty="0"/>
           </a:p>
           <a:p>
             <a:endParaRPr lang="ko-KR" altLang="en-US" dirty="0"/>
@@ -1120,7 +1242,7 @@
             <a:spLocks noGrp="1"/>
           </p:cNvSpPr>
           <p:nvPr>
-            <p:ph type="sldNum" sz="quarter" idx="5"/>
+            <p:ph type="sldNum" sz="quarter" idx="10"/>
           </p:nvPr>
         </p:nvSpPr>
         <p:spPr/>
@@ -1130,7 +1252,7 @@
           <a:p>
             <a:fld id="{19F844F6-2859-485D-A4C9-11B541D70E1F}" type="slidenum">
               <a:rPr lang="ko-KR" altLang="en-US" smtClean="0"/>
-              <a:t>3</a:t>
+              <a:t>2</a:t>
             </a:fld>
             <a:endParaRPr lang="ko-KR" altLang="en-US"/>
           </a:p>
@@ -1139,7 +1261,7 @@
     </p:spTree>
     <p:extLst>
       <p:ext uri="{BB962C8B-B14F-4D97-AF65-F5344CB8AC3E}">
-        <p14:creationId xmlns:p14="http://schemas.microsoft.com/office/powerpoint/2010/main" val="549779085"/>
+        <p14:creationId xmlns:p14="http://schemas.microsoft.com/office/powerpoint/2010/main" val="2394932775"/>
       </p:ext>
     </p:extLst>
   </p:cSld>
@@ -1195,53 +1317,37 @@
           <a:p>
             <a:r>
               <a:rPr lang="ko-KR" altLang="en-US" dirty="0"/>
-              <a:t>고민을 통해 제가 내린 결론은 </a:t>
+              <a:t>첫번째 </a:t>
             </a:r>
             <a:r>
               <a:rPr lang="en-US" altLang="ko-KR" dirty="0"/>
-              <a:t>~</a:t>
+              <a:t>OJT </a:t>
             </a:r>
             <a:r>
               <a:rPr lang="ko-KR" altLang="en-US" dirty="0"/>
-              <a:t>가 중요하기 때문에 첫번째 </a:t>
-            </a:r>
-            <a:r>
-              <a:rPr lang="en-US" altLang="ko-KR" dirty="0"/>
-              <a:t>OJT</a:t>
-            </a:r>
-            <a:r>
-              <a:rPr lang="ko-KR" altLang="en-US" dirty="0"/>
-              <a:t>과제로 </a:t>
-            </a:r>
-            <a:r>
-              <a:rPr lang="en-US" altLang="ko-KR" dirty="0"/>
-              <a:t>solver</a:t>
-            </a:r>
-            <a:r>
-              <a:rPr lang="ko-KR" altLang="en-US" dirty="0"/>
-              <a:t>에 대한 이해하는데 도움이 되는 책을 공부하는 과제가 주어졌다고 생각했습니다</a:t>
+              <a:t>과제로써 공부하였던 책입니다</a:t>
             </a:r>
             <a:r>
               <a:rPr lang="en-US" altLang="ko-KR" dirty="0"/>
               <a:t>.</a:t>
             </a:r>
-            <a:endParaRPr lang="en-US" altLang="ko-KR" baseline="0" dirty="0"/>
-          </a:p>
-          <a:p>
-            <a:endParaRPr lang="en-US" altLang="ko-KR" baseline="0" dirty="0"/>
-          </a:p>
-          <a:p>
-            <a:r>
-              <a:rPr lang="ko-KR" altLang="en-US" baseline="0" dirty="0"/>
-              <a:t>제가 공부하면서 이해하게 된 </a:t>
-            </a:r>
-            <a:r>
-              <a:rPr lang="en-US" altLang="ko-KR" baseline="0" dirty="0"/>
-              <a:t>Solver</a:t>
-            </a:r>
-            <a:r>
-              <a:rPr lang="ko-KR" altLang="en-US" baseline="0" dirty="0"/>
-              <a:t>에 대해서 말씀</a:t>
+          </a:p>
+          <a:p>
+            <a:r>
+              <a:rPr lang="ko-KR" altLang="en-US" dirty="0"/>
+              <a:t>이 과제를 수행하면서 왜 가장 먼저 책을 공부하는 </a:t>
+            </a:r>
+            <a:r>
+              <a:rPr lang="en-US" altLang="ko-KR" dirty="0"/>
+              <a:t>OJT </a:t>
+            </a:r>
+            <a:r>
+              <a:rPr lang="ko-KR" altLang="en-US" dirty="0"/>
+              <a:t>과제가 주어졌는지 고민해보았습니다</a:t>
+            </a:r>
+            <a:r>
+              <a:rPr lang="en-US" altLang="ko-KR" dirty="0"/>
+              <a:t>.</a:t>
             </a:r>
             <a:endParaRPr lang="ko-KR" altLang="en-US" dirty="0"/>
           </a:p>
@@ -1267,7 +1373,7 @@
           <a:p>
             <a:fld id="{19F844F6-2859-485D-A4C9-11B541D70E1F}" type="slidenum">
               <a:rPr lang="ko-KR" altLang="en-US" smtClean="0"/>
-              <a:t>4</a:t>
+              <a:t>3</a:t>
             </a:fld>
             <a:endParaRPr lang="ko-KR" altLang="en-US"/>
           </a:p>
@@ -1276,7 +1382,7 @@
     </p:spTree>
     <p:extLst>
       <p:ext uri="{BB962C8B-B14F-4D97-AF65-F5344CB8AC3E}">
-        <p14:creationId xmlns:p14="http://schemas.microsoft.com/office/powerpoint/2010/main" val="76985099"/>
+        <p14:creationId xmlns:p14="http://schemas.microsoft.com/office/powerpoint/2010/main" val="549779085"/>
       </p:ext>
     </p:extLst>
   </p:cSld>
@@ -1330,6 +1436,59 @@
           <a:bodyPr/>
           <a:lstStyle/>
           <a:p>
+            <a:r>
+              <a:rPr lang="ko-KR" altLang="en-US" dirty="0"/>
+              <a:t>고민을 통해 제가 내린 결론은 </a:t>
+            </a:r>
+            <a:r>
+              <a:rPr lang="en-US" altLang="ko-KR" dirty="0"/>
+              <a:t>~</a:t>
+            </a:r>
+            <a:r>
+              <a:rPr lang="ko-KR" altLang="en-US" dirty="0"/>
+              <a:t>가 중요하기 때문에 첫번째 </a:t>
+            </a:r>
+            <a:r>
+              <a:rPr lang="en-US" altLang="ko-KR" dirty="0"/>
+              <a:t>OJT</a:t>
+            </a:r>
+            <a:r>
+              <a:rPr lang="ko-KR" altLang="en-US" dirty="0"/>
+              <a:t>과제로 </a:t>
+            </a:r>
+            <a:r>
+              <a:rPr lang="en-US" altLang="ko-KR" dirty="0"/>
+              <a:t>solver</a:t>
+            </a:r>
+            <a:r>
+              <a:rPr lang="ko-KR" altLang="en-US" dirty="0"/>
+              <a:t>에 대한 이해하는데 도움이 되는 책을 공부하는 과제가 주어졌다고 생각했습니다</a:t>
+            </a:r>
+            <a:r>
+              <a:rPr lang="en-US" altLang="ko-KR" dirty="0"/>
+              <a:t>.</a:t>
+            </a:r>
+            <a:endParaRPr lang="en-US" altLang="ko-KR" baseline="0" dirty="0"/>
+          </a:p>
+          <a:p>
+            <a:endParaRPr lang="en-US" altLang="ko-KR" baseline="0" dirty="0"/>
+          </a:p>
+          <a:p>
+            <a:r>
+              <a:rPr lang="ko-KR" altLang="en-US" baseline="0" dirty="0"/>
+              <a:t>제가 공부하면서 이해하게 된 </a:t>
+            </a:r>
+            <a:r>
+              <a:rPr lang="en-US" altLang="ko-KR" baseline="0" dirty="0"/>
+              <a:t>Solver</a:t>
+            </a:r>
+            <a:r>
+              <a:rPr lang="ko-KR" altLang="en-US" baseline="0" dirty="0"/>
+              <a:t>에 대해서 말씀</a:t>
+            </a:r>
+            <a:endParaRPr lang="ko-KR" altLang="en-US" dirty="0"/>
+          </a:p>
+          <a:p>
             <a:endParaRPr lang="ko-KR" altLang="en-US" dirty="0"/>
           </a:p>
         </p:txBody>
@@ -1341,7 +1500,7 @@
             <a:spLocks noGrp="1"/>
           </p:cNvSpPr>
           <p:nvPr>
-            <p:ph type="sldNum" sz="quarter" idx="10"/>
+            <p:ph type="sldNum" sz="quarter" idx="5"/>
           </p:nvPr>
         </p:nvSpPr>
         <p:spPr/>
@@ -1351,7 +1510,7 @@
           <a:p>
             <a:fld id="{19F844F6-2859-485D-A4C9-11B541D70E1F}" type="slidenum">
               <a:rPr lang="ko-KR" altLang="en-US" smtClean="0"/>
-              <a:t>5</a:t>
+              <a:t>4</a:t>
             </a:fld>
             <a:endParaRPr lang="ko-KR" altLang="en-US"/>
           </a:p>
@@ -1360,7 +1519,7 @@
     </p:spTree>
     <p:extLst>
       <p:ext uri="{BB962C8B-B14F-4D97-AF65-F5344CB8AC3E}">
-        <p14:creationId xmlns:p14="http://schemas.microsoft.com/office/powerpoint/2010/main" val="1042735975"/>
+        <p14:creationId xmlns:p14="http://schemas.microsoft.com/office/powerpoint/2010/main" val="76985099"/>
       </p:ext>
     </p:extLst>
   </p:cSld>
@@ -1414,38 +1573,6 @@
           <a:bodyPr/>
           <a:lstStyle/>
           <a:p>
-            <a:r>
-              <a:rPr lang="ko-KR" altLang="en-US" dirty="0"/>
-              <a:t>가장 간단한 </a:t>
-            </a:r>
-            <a:r>
-              <a:rPr lang="ko-KR" altLang="en-US" dirty="0" err="1"/>
-              <a:t>선형정적해석에서</a:t>
-            </a:r>
-            <a:r>
-              <a:rPr lang="ko-KR" altLang="en-US" dirty="0"/>
-              <a:t> </a:t>
-            </a:r>
-            <a:r>
-              <a:rPr lang="en-US" altLang="ko-KR" dirty="0" err="1"/>
-              <a:t>Mecsolver</a:t>
-            </a:r>
-            <a:r>
-              <a:rPr lang="ko-KR" altLang="en-US" dirty="0"/>
-              <a:t>가 어떤 지배방정식을 어떻게 풀어나가는지 조금 더 자세히 </a:t>
-            </a:r>
-            <a:r>
-              <a:rPr lang="ko-KR" altLang="en-US" dirty="0" err="1"/>
-              <a:t>설명드리도록</a:t>
-            </a:r>
-            <a:r>
-              <a:rPr lang="ko-KR" altLang="en-US" dirty="0"/>
-              <a:t> 하겠습니다</a:t>
-            </a:r>
-            <a:r>
-              <a:rPr lang="en-US" altLang="ko-KR" dirty="0"/>
-              <a:t>.</a:t>
-            </a:r>
             <a:endParaRPr lang="ko-KR" altLang="en-US" dirty="0"/>
           </a:p>
         </p:txBody>
@@ -1457,7 +1584,7 @@
             <a:spLocks noGrp="1"/>
           </p:cNvSpPr>
           <p:nvPr>
-            <p:ph type="sldNum" sz="quarter" idx="5"/>
+            <p:ph type="sldNum" sz="quarter" idx="10"/>
           </p:nvPr>
         </p:nvSpPr>
         <p:spPr/>
@@ -1467,7 +1594,7 @@
           <a:p>
             <a:fld id="{19F844F6-2859-485D-A4C9-11B541D70E1F}" type="slidenum">
               <a:rPr lang="ko-KR" altLang="en-US" smtClean="0"/>
-              <a:t>6</a:t>
+              <a:t>5</a:t>
             </a:fld>
             <a:endParaRPr lang="ko-KR" altLang="en-US"/>
           </a:p>
@@ -1476,7 +1603,7 @@
     </p:spTree>
     <p:extLst>
       <p:ext uri="{BB962C8B-B14F-4D97-AF65-F5344CB8AC3E}">
-        <p14:creationId xmlns:p14="http://schemas.microsoft.com/office/powerpoint/2010/main" val="3450237397"/>
+        <p14:creationId xmlns:p14="http://schemas.microsoft.com/office/powerpoint/2010/main" val="1042735975"/>
       </p:ext>
     </p:extLst>
   </p:cSld>
@@ -1530,6 +1657,38 @@
           <a:bodyPr/>
           <a:lstStyle/>
           <a:p>
+            <a:r>
+              <a:rPr lang="ko-KR" altLang="en-US" dirty="0"/>
+              <a:t>가장 간단한 </a:t>
+            </a:r>
+            <a:r>
+              <a:rPr lang="ko-KR" altLang="en-US" dirty="0" err="1"/>
+              <a:t>선형정적해석에서</a:t>
+            </a:r>
+            <a:r>
+              <a:rPr lang="ko-KR" altLang="en-US" dirty="0"/>
+              <a:t> </a:t>
+            </a:r>
+            <a:r>
+              <a:rPr lang="en-US" altLang="ko-KR" dirty="0" err="1"/>
+              <a:t>Mecsolver</a:t>
+            </a:r>
+            <a:r>
+              <a:rPr lang="ko-KR" altLang="en-US" dirty="0"/>
+              <a:t>가 어떤 지배방정식을 어떻게 풀어나가는지 조금 더 자세히 </a:t>
+            </a:r>
+            <a:r>
+              <a:rPr lang="ko-KR" altLang="en-US" dirty="0" err="1"/>
+              <a:t>설명드리도록</a:t>
+            </a:r>
+            <a:r>
+              <a:rPr lang="ko-KR" altLang="en-US" dirty="0"/>
+              <a:t> 하겠습니다</a:t>
+            </a:r>
+            <a:r>
+              <a:rPr lang="en-US" altLang="ko-KR" dirty="0"/>
+              <a:t>.</a:t>
+            </a:r>
             <a:endParaRPr lang="ko-KR" altLang="en-US" dirty="0"/>
           </a:p>
         </p:txBody>
@@ -1541,7 +1700,7 @@
             <a:spLocks noGrp="1"/>
           </p:cNvSpPr>
           <p:nvPr>
-            <p:ph type="sldNum" sz="quarter" idx="10"/>
+            <p:ph type="sldNum" sz="quarter" idx="5"/>
           </p:nvPr>
         </p:nvSpPr>
         <p:spPr/>
@@ -1551,7 +1710,7 @@
           <a:p>
             <a:fld id="{19F844F6-2859-485D-A4C9-11B541D70E1F}" type="slidenum">
               <a:rPr lang="ko-KR" altLang="en-US" smtClean="0"/>
-              <a:t>7</a:t>
+              <a:t>6</a:t>
             </a:fld>
             <a:endParaRPr lang="ko-KR" altLang="en-US"/>
           </a:p>
@@ -1560,7 +1719,7 @@
     </p:spTree>
     <p:extLst>
       <p:ext uri="{BB962C8B-B14F-4D97-AF65-F5344CB8AC3E}">
-        <p14:creationId xmlns:p14="http://schemas.microsoft.com/office/powerpoint/2010/main" val="2196415458"/>
+        <p14:creationId xmlns:p14="http://schemas.microsoft.com/office/powerpoint/2010/main" val="3450237397"/>
       </p:ext>
     </p:extLst>
   </p:cSld>
@@ -1614,26 +1773,7 @@
           <a:bodyPr/>
           <a:lstStyle/>
           <a:p>
-            <a:r>
-              <a:rPr lang="ko-KR" altLang="en-US" dirty="0"/>
-              <a:t>결론적으로 </a:t>
-            </a:r>
-            <a:r>
-              <a:rPr lang="en-US" altLang="ko-KR" dirty="0"/>
-              <a:t>solve</a:t>
-            </a:r>
-            <a:r>
-              <a:rPr lang="ko-KR" altLang="en-US" dirty="0"/>
-              <a:t>가 하는 일이 </a:t>
-            </a:r>
-            <a:r>
-              <a:rPr lang="ko-KR" altLang="en-US" dirty="0" err="1"/>
-              <a:t>이거다</a:t>
-            </a:r>
-            <a:r>
-              <a:rPr lang="en-US" altLang="ko-KR" dirty="0"/>
-              <a:t>.</a:t>
-            </a:r>
+            <a:endParaRPr lang="ko-KR" altLang="en-US" dirty="0"/>
           </a:p>
         </p:txBody>
       </p:sp>
@@ -1644,7 +1784,7 @@
             <a:spLocks noGrp="1"/>
           </p:cNvSpPr>
           <p:nvPr>
-            <p:ph type="sldNum" sz="quarter" idx="5"/>
+            <p:ph type="sldNum" sz="quarter" idx="10"/>
           </p:nvPr>
         </p:nvSpPr>
         <p:spPr/>
@@ -1654,7 +1794,7 @@
           <a:p>
             <a:fld id="{19F844F6-2859-485D-A4C9-11B541D70E1F}" type="slidenum">
               <a:rPr lang="ko-KR" altLang="en-US" smtClean="0"/>
-              <a:t>8</a:t>
+              <a:t>7</a:t>
             </a:fld>
             <a:endParaRPr lang="ko-KR" altLang="en-US"/>
           </a:p>
@@ -1663,7 +1803,7 @@
     </p:spTree>
     <p:extLst>
       <p:ext uri="{BB962C8B-B14F-4D97-AF65-F5344CB8AC3E}">
-        <p14:creationId xmlns:p14="http://schemas.microsoft.com/office/powerpoint/2010/main" val="2391107289"/>
+        <p14:creationId xmlns:p14="http://schemas.microsoft.com/office/powerpoint/2010/main" val="2196415458"/>
       </p:ext>
     </p:extLst>
   </p:cSld>
@@ -1719,15 +1859,23 @@
           <a:p>
             <a:r>
               <a:rPr lang="ko-KR" altLang="en-US" dirty="0"/>
-              <a:t>현재 진행중인 </a:t>
+              <a:t>결론적으로 </a:t>
             </a:r>
             <a:r>
               <a:rPr lang="en-US" altLang="ko-KR" dirty="0"/>
-              <a:t>OJT </a:t>
+              <a:t>solve</a:t>
             </a:r>
             <a:r>
               <a:rPr lang="ko-KR" altLang="en-US" dirty="0"/>
-              <a:t>과제</a:t>
+              <a:t>가 하는 일이 </a:t>
+            </a:r>
+            <a:r>
+              <a:rPr lang="ko-KR" altLang="en-US" dirty="0" err="1"/>
+              <a:t>이거다</a:t>
+            </a:r>
+            <a:r>
+              <a:rPr lang="en-US" altLang="ko-KR" dirty="0"/>
+              <a:t>.</a:t>
             </a:r>
           </a:p>
         </p:txBody>
@@ -1739,7 +1887,7 @@
             <a:spLocks noGrp="1"/>
           </p:cNvSpPr>
           <p:nvPr>
-            <p:ph type="sldNum" sz="quarter" idx="10"/>
+            <p:ph type="sldNum" sz="quarter" idx="5"/>
           </p:nvPr>
         </p:nvSpPr>
         <p:spPr/>
@@ -1749,7 +1897,7 @@
           <a:p>
             <a:fld id="{19F844F6-2859-485D-A4C9-11B541D70E1F}" type="slidenum">
               <a:rPr lang="ko-KR" altLang="en-US" smtClean="0"/>
-              <a:t>9</a:t>
+              <a:t>8</a:t>
             </a:fld>
             <a:endParaRPr lang="ko-KR" altLang="en-US"/>
           </a:p>
@@ -1758,7 +1906,7 @@
     </p:spTree>
     <p:extLst>
       <p:ext uri="{BB962C8B-B14F-4D97-AF65-F5344CB8AC3E}">
-        <p14:creationId xmlns:p14="http://schemas.microsoft.com/office/powerpoint/2010/main" val="589874532"/>
+        <p14:creationId xmlns:p14="http://schemas.microsoft.com/office/powerpoint/2010/main" val="2391107289"/>
       </p:ext>
     </p:extLst>
   </p:cSld>
@@ -1814,21 +1962,16 @@
           <a:p>
             <a:r>
               <a:rPr lang="ko-KR" altLang="en-US" dirty="0"/>
-              <a:t>결과를 통해 </a:t>
+              <a:t>현재 진행중인 </a:t>
             </a:r>
             <a:r>
               <a:rPr lang="en-US" altLang="ko-KR" dirty="0"/>
-              <a:t>element</a:t>
+              <a:t>OJT </a:t>
             </a:r>
             <a:r>
               <a:rPr lang="ko-KR" altLang="en-US" dirty="0"/>
-              <a:t>가 중요하다는 것을 알 수 있다</a:t>
-            </a:r>
-            <a:r>
-              <a:rPr lang="en-US" altLang="ko-KR" dirty="0"/>
-              <a:t>.</a:t>
-            </a:r>
-            <a:endParaRPr lang="ko-KR" altLang="en-US" dirty="0"/>
+              <a:t>과제</a:t>
+            </a:r>
           </a:p>
         </p:txBody>
       </p:sp>
@@ -1849,7 +1992,7 @@
           <a:p>
             <a:fld id="{19F844F6-2859-485D-A4C9-11B541D70E1F}" type="slidenum">
               <a:rPr lang="ko-KR" altLang="en-US" smtClean="0"/>
-              <a:t>11</a:t>
+              <a:t>9</a:t>
             </a:fld>
             <a:endParaRPr lang="ko-KR" altLang="en-US"/>
           </a:p>
@@ -1858,7 +2001,7 @@
     </p:spTree>
     <p:extLst>
       <p:ext uri="{BB962C8B-B14F-4D97-AF65-F5344CB8AC3E}">
-        <p14:creationId xmlns:p14="http://schemas.microsoft.com/office/powerpoint/2010/main" val="975521947"/>
+        <p14:creationId xmlns:p14="http://schemas.microsoft.com/office/powerpoint/2010/main" val="589874532"/>
       </p:ext>
     </p:extLst>
   </p:cSld>
@@ -1951,7 +2094,7 @@
           <p:cNvPr id="39" name="제목 6">
             <a:extLst>
               <a:ext uri="{FF2B5EF4-FFF2-40B4-BE49-F238E27FC236}">
-                <a16:creationId xmlns:a16="http://schemas.microsoft.com/office/drawing/2014/main" xmlns="" id="{4A3440A8-3A03-4A15-BAFB-D5FE7A558109}"/>
+                <a16:creationId xmlns:a16="http://schemas.microsoft.com/office/drawing/2014/main" id="{4A3440A8-3A03-4A15-BAFB-D5FE7A558109}"/>
               </a:ext>
             </a:extLst>
           </p:cNvPr>
@@ -1999,7 +2142,7 @@
           <p:cNvPr id="41" name="부제목 2">
             <a:extLst>
               <a:ext uri="{FF2B5EF4-FFF2-40B4-BE49-F238E27FC236}">
-                <a16:creationId xmlns:a16="http://schemas.microsoft.com/office/drawing/2014/main" xmlns="" id="{F2E10C5D-9964-41D2-8851-AC2EA72D2E04}"/>
+                <a16:creationId xmlns:a16="http://schemas.microsoft.com/office/drawing/2014/main" id="{F2E10C5D-9964-41D2-8851-AC2EA72D2E04}"/>
               </a:ext>
             </a:extLst>
           </p:cNvPr>
@@ -2045,7 +2188,7 @@
           <p:cNvPr id="46" name="직선 연결선 45">
             <a:extLst>
               <a:ext uri="{FF2B5EF4-FFF2-40B4-BE49-F238E27FC236}">
-                <a16:creationId xmlns:a16="http://schemas.microsoft.com/office/drawing/2014/main" xmlns="" id="{A29688E7-756C-420C-815C-D6EEAFFD2344}"/>
+                <a16:creationId xmlns:a16="http://schemas.microsoft.com/office/drawing/2014/main" id="{A29688E7-756C-420C-815C-D6EEAFFD2344}"/>
               </a:ext>
             </a:extLst>
           </p:cNvPr>
@@ -2413,7 +2556,7 @@
           <p:cNvPr id="10" name="Picture 30">
             <a:extLst>
               <a:ext uri="{FF2B5EF4-FFF2-40B4-BE49-F238E27FC236}">
-                <a16:creationId xmlns:a16="http://schemas.microsoft.com/office/drawing/2014/main" xmlns="" id="{1779309F-FC0E-4CEF-B77D-D0A38BE4F324}"/>
+                <a16:creationId xmlns:a16="http://schemas.microsoft.com/office/drawing/2014/main" id="{1779309F-FC0E-4CEF-B77D-D0A38BE4F324}"/>
               </a:ext>
             </a:extLst>
           </p:cNvPr>
@@ -3109,7 +3252,7 @@
           <p:cNvPr id="4" name="제목 3">
             <a:extLst>
               <a:ext uri="{FF2B5EF4-FFF2-40B4-BE49-F238E27FC236}">
-                <a16:creationId xmlns:a16="http://schemas.microsoft.com/office/drawing/2014/main" xmlns="" id="{99CA4061-3C97-4D11-A126-C52E3AA32791}"/>
+                <a16:creationId xmlns:a16="http://schemas.microsoft.com/office/drawing/2014/main" id="{99CA4061-3C97-4D11-A126-C52E3AA32791}"/>
               </a:ext>
             </a:extLst>
           </p:cNvPr>
@@ -3127,10 +3270,9 @@
           <a:p>
             <a:pPr algn="l"/>
             <a:r>
-              <a:rPr lang="ko-KR" altLang="en-US" sz="3200" dirty="0" smtClean="0"/>
+              <a:rPr lang="ko-KR" altLang="en-US" sz="3200" dirty="0"/>
               <a:t>발표회</a:t>
             </a:r>
-            <a:endParaRPr lang="ko-KR" altLang="en-US" sz="3200" dirty="0"/>
           </a:p>
         </p:txBody>
       </p:sp>
@@ -3139,7 +3281,7 @@
           <p:cNvPr id="8" name="부제목 7">
             <a:extLst>
               <a:ext uri="{FF2B5EF4-FFF2-40B4-BE49-F238E27FC236}">
-                <a16:creationId xmlns:a16="http://schemas.microsoft.com/office/drawing/2014/main" xmlns="" id="{2AB29143-72A2-4579-A12F-DD8FFE410A2C}"/>
+                <a16:creationId xmlns:a16="http://schemas.microsoft.com/office/drawing/2014/main" id="{2AB29143-72A2-4579-A12F-DD8FFE410A2C}"/>
               </a:ext>
             </a:extLst>
           </p:cNvPr>
@@ -3198,13 +3340,6 @@
   <p:clrMapOvr>
     <a:masterClrMapping/>
   </p:clrMapOvr>
-  <p:timing>
-    <p:tnLst>
-      <p:par>
-        <p:cTn id="1" dur="indefinite" restart="never" nodeType="tmRoot"/>
-      </p:par>
-    </p:tnLst>
-  </p:timing>
 </p:sld>
 </file>
 
@@ -3230,7 +3365,7 @@
           <p:cNvPr id="2" name="슬라이드 번호 개체 틀 1">
             <a:extLst>
               <a:ext uri="{FF2B5EF4-FFF2-40B4-BE49-F238E27FC236}">
-                <a16:creationId xmlns:a16="http://schemas.microsoft.com/office/drawing/2014/main" xmlns="" id="{B441C5D2-9FD5-4D02-8202-08446F21BEBF}"/>
+                <a16:creationId xmlns:a16="http://schemas.microsoft.com/office/drawing/2014/main" id="{B441C5D2-9FD5-4D02-8202-08446F21BEBF}"/>
               </a:ext>
             </a:extLst>
           </p:cNvPr>
@@ -3279,7 +3414,7 @@
               <p:cNvPr id="4" name="제목 3">
                 <a:extLst>
                   <a:ext uri="{FF2B5EF4-FFF2-40B4-BE49-F238E27FC236}">
-                    <a16:creationId xmlns:a16="http://schemas.microsoft.com/office/drawing/2014/main" xmlns="" id="{9E5CB9F4-FF15-4728-B8FB-97BCFE014E41}"/>
+                    <a16:creationId xmlns:a16="http://schemas.microsoft.com/office/drawing/2014/main" id="{9E5CB9F4-FF15-4728-B8FB-97BCFE014E41}"/>
                   </a:ext>
                 </a:extLst>
               </p:cNvPr>
@@ -3381,7 +3516,7 @@
               <p:cNvPr id="5" name="내용 개체 틀 4">
                 <a:extLst>
                   <a:ext uri="{FF2B5EF4-FFF2-40B4-BE49-F238E27FC236}">
-                    <a16:creationId xmlns:a16="http://schemas.microsoft.com/office/drawing/2014/main" xmlns="" id="{56526723-BC57-4857-AF84-4ADCEB2BA691}"/>
+                    <a16:creationId xmlns:a16="http://schemas.microsoft.com/office/drawing/2014/main" id="{56526723-BC57-4857-AF84-4ADCEB2BA691}"/>
                   </a:ext>
                 </a:extLst>
               </p:cNvPr>
@@ -3596,7 +3731,7 @@
           <a:graphicData uri="http://schemas.openxmlformats.org/presentationml/2006/ole">
             <mc:AlternateContent xmlns:mc="http://schemas.openxmlformats.org/markup-compatibility/2006">
               <mc:Choice xmlns:v="urn:schemas-microsoft-com:vml" Requires="v">
-                <p:oleObj spid="_x0000_s4186" name="Equation" r:id="rId5" imgW="3174840" imgH="291960" progId="Equation.DSMT4">
+                <p:oleObj spid="_x0000_s4188" name="Equation" r:id="rId5" imgW="3174840" imgH="291960" progId="Equation.DSMT4">
                   <p:embed/>
                 </p:oleObj>
               </mc:Choice>
@@ -3653,7 +3788,7 @@
           <a:graphicData uri="http://schemas.openxmlformats.org/presentationml/2006/ole">
             <mc:AlternateContent xmlns:mc="http://schemas.openxmlformats.org/markup-compatibility/2006">
               <mc:Choice xmlns:v="urn:schemas-microsoft-com:vml" Requires="v">
-                <p:oleObj spid="_x0000_s4187" name="Equation" r:id="rId7" imgW="1714320" imgH="253800" progId="Equation.DSMT4">
+                <p:oleObj spid="_x0000_s4189" name="Equation" r:id="rId7" imgW="1714320" imgH="253800" progId="Equation.DSMT4">
                   <p:embed/>
                 </p:oleObj>
               </mc:Choice>
@@ -3698,13 +3833,6 @@
   <p:clrMapOvr>
     <a:masterClrMapping/>
   </p:clrMapOvr>
-  <p:timing>
-    <p:tnLst>
-      <p:par>
-        <p:cTn id="1" dur="indefinite" restart="never" nodeType="tmRoot"/>
-      </p:par>
-    </p:tnLst>
-  </p:timing>
 </p:sld>
 </file>
 
@@ -4118,13 +4246,6 @@
   <p:clrMapOvr>
     <a:masterClrMapping/>
   </p:clrMapOvr>
-  <p:timing>
-    <p:tnLst>
-      <p:par>
-        <p:cTn id="1" dur="indefinite" restart="never" nodeType="tmRoot"/>
-      </p:par>
-    </p:tnLst>
-  </p:timing>
 </p:sld>
 </file>
 
@@ -4150,7 +4271,7 @@
           <p:cNvPr id="2" name="슬라이드 번호 개체 틀 1">
             <a:extLst>
               <a:ext uri="{FF2B5EF4-FFF2-40B4-BE49-F238E27FC236}">
-                <a16:creationId xmlns:a16="http://schemas.microsoft.com/office/drawing/2014/main" xmlns="" id="{FAAABC9C-F802-4225-A48E-C4721A78C9E3}"/>
+                <a16:creationId xmlns:a16="http://schemas.microsoft.com/office/drawing/2014/main" id="{FAAABC9C-F802-4225-A48E-C4721A78C9E3}"/>
               </a:ext>
             </a:extLst>
           </p:cNvPr>
@@ -4199,7 +4320,7 @@
               <p:cNvPr id="3" name="제목 2">
                 <a:extLst>
                   <a:ext uri="{FF2B5EF4-FFF2-40B4-BE49-F238E27FC236}">
-                    <a16:creationId xmlns:a16="http://schemas.microsoft.com/office/drawing/2014/main" xmlns="" id="{B17EFA9F-C7F7-4B5B-996D-348F145024BE}"/>
+                    <a16:creationId xmlns:a16="http://schemas.microsoft.com/office/drawing/2014/main" id="{B17EFA9F-C7F7-4B5B-996D-348F145024BE}"/>
                   </a:ext>
                 </a:extLst>
               </p:cNvPr>
@@ -4298,7 +4419,7 @@
           <p:cNvPr id="4" name="내용 개체 틀 3">
             <a:extLst>
               <a:ext uri="{FF2B5EF4-FFF2-40B4-BE49-F238E27FC236}">
-                <a16:creationId xmlns:a16="http://schemas.microsoft.com/office/drawing/2014/main" xmlns="" id="{36EDEFB6-1410-4CCA-8494-3F0B8834099F}"/>
+                <a16:creationId xmlns:a16="http://schemas.microsoft.com/office/drawing/2014/main" id="{36EDEFB6-1410-4CCA-8494-3F0B8834099F}"/>
               </a:ext>
             </a:extLst>
           </p:cNvPr>
@@ -4507,7 +4628,7 @@
           <p:cNvPr id="6" name="그림 5">
             <a:extLst>
               <a:ext uri="{FF2B5EF4-FFF2-40B4-BE49-F238E27FC236}">
-                <a16:creationId xmlns:a16="http://schemas.microsoft.com/office/drawing/2014/main" xmlns="" id="{96FCDB8F-541C-4D2E-BBB8-9B190E7846B6}"/>
+                <a16:creationId xmlns:a16="http://schemas.microsoft.com/office/drawing/2014/main" id="{96FCDB8F-541C-4D2E-BBB8-9B190E7846B6}"/>
               </a:ext>
             </a:extLst>
           </p:cNvPr>
@@ -4537,7 +4658,7 @@
           <p:cNvPr id="49" name="그룹 48">
             <a:extLst>
               <a:ext uri="{FF2B5EF4-FFF2-40B4-BE49-F238E27FC236}">
-                <a16:creationId xmlns:a16="http://schemas.microsoft.com/office/drawing/2014/main" xmlns="" id="{6A246A6F-34CF-4633-8C59-B4CA6F400403}"/>
+                <a16:creationId xmlns:a16="http://schemas.microsoft.com/office/drawing/2014/main" id="{6A246A6F-34CF-4633-8C59-B4CA6F400403}"/>
               </a:ext>
             </a:extLst>
           </p:cNvPr>
@@ -4557,7 +4678,7 @@
             <p:cNvPr id="10" name="그림 9">
               <a:extLst>
                 <a:ext uri="{FF2B5EF4-FFF2-40B4-BE49-F238E27FC236}">
-                  <a16:creationId xmlns:a16="http://schemas.microsoft.com/office/drawing/2014/main" xmlns="" id="{9075E1EF-21A0-4280-9D8D-23AB10CC4E55}"/>
+                  <a16:creationId xmlns:a16="http://schemas.microsoft.com/office/drawing/2014/main" id="{9075E1EF-21A0-4280-9D8D-23AB10CC4E55}"/>
                 </a:ext>
               </a:extLst>
             </p:cNvPr>
@@ -4587,7 +4708,7 @@
             <p:cNvPr id="12" name="그림 11">
               <a:extLst>
                 <a:ext uri="{FF2B5EF4-FFF2-40B4-BE49-F238E27FC236}">
-                  <a16:creationId xmlns:a16="http://schemas.microsoft.com/office/drawing/2014/main" xmlns="" id="{F10E228E-B672-4CD0-90C2-1FB5614A4486}"/>
+                  <a16:creationId xmlns:a16="http://schemas.microsoft.com/office/drawing/2014/main" id="{F10E228E-B672-4CD0-90C2-1FB5614A4486}"/>
                 </a:ext>
               </a:extLst>
             </p:cNvPr>
@@ -4617,7 +4738,7 @@
             <p:cNvPr id="14" name="그림 13">
               <a:extLst>
                 <a:ext uri="{FF2B5EF4-FFF2-40B4-BE49-F238E27FC236}">
-                  <a16:creationId xmlns:a16="http://schemas.microsoft.com/office/drawing/2014/main" xmlns="" id="{B5821B18-7437-4C13-8394-5968B9C93861}"/>
+                  <a16:creationId xmlns:a16="http://schemas.microsoft.com/office/drawing/2014/main" id="{B5821B18-7437-4C13-8394-5968B9C93861}"/>
                 </a:ext>
               </a:extLst>
             </p:cNvPr>
@@ -4647,7 +4768,7 @@
             <p:cNvPr id="16" name="그림 15">
               <a:extLst>
                 <a:ext uri="{FF2B5EF4-FFF2-40B4-BE49-F238E27FC236}">
-                  <a16:creationId xmlns:a16="http://schemas.microsoft.com/office/drawing/2014/main" xmlns="" id="{084A4E08-922E-4674-8DA4-537CA68D68AE}"/>
+                  <a16:creationId xmlns:a16="http://schemas.microsoft.com/office/drawing/2014/main" id="{084A4E08-922E-4674-8DA4-537CA68D68AE}"/>
                 </a:ext>
               </a:extLst>
             </p:cNvPr>
@@ -4677,7 +4798,7 @@
             <p:cNvPr id="18" name="그림 17">
               <a:extLst>
                 <a:ext uri="{FF2B5EF4-FFF2-40B4-BE49-F238E27FC236}">
-                  <a16:creationId xmlns:a16="http://schemas.microsoft.com/office/drawing/2014/main" xmlns="" id="{8BF52686-F218-483A-9758-FAB189DA8A76}"/>
+                  <a16:creationId xmlns:a16="http://schemas.microsoft.com/office/drawing/2014/main" id="{8BF52686-F218-483A-9758-FAB189DA8A76}"/>
                 </a:ext>
               </a:extLst>
             </p:cNvPr>
@@ -4707,7 +4828,7 @@
             <p:cNvPr id="20" name="그림 19">
               <a:extLst>
                 <a:ext uri="{FF2B5EF4-FFF2-40B4-BE49-F238E27FC236}">
-                  <a16:creationId xmlns:a16="http://schemas.microsoft.com/office/drawing/2014/main" xmlns="" id="{2BA9E6DC-E42B-4356-99B4-98FBFDEC0FC6}"/>
+                  <a16:creationId xmlns:a16="http://schemas.microsoft.com/office/drawing/2014/main" id="{2BA9E6DC-E42B-4356-99B4-98FBFDEC0FC6}"/>
                 </a:ext>
               </a:extLst>
             </p:cNvPr>
@@ -4737,7 +4858,7 @@
             <p:cNvPr id="22" name="그림 21">
               <a:extLst>
                 <a:ext uri="{FF2B5EF4-FFF2-40B4-BE49-F238E27FC236}">
-                  <a16:creationId xmlns:a16="http://schemas.microsoft.com/office/drawing/2014/main" xmlns="" id="{833C09E5-5575-48A0-9800-7BF361C354E8}"/>
+                  <a16:creationId xmlns:a16="http://schemas.microsoft.com/office/drawing/2014/main" id="{833C09E5-5575-48A0-9800-7BF361C354E8}"/>
                 </a:ext>
               </a:extLst>
             </p:cNvPr>
@@ -4767,7 +4888,7 @@
             <p:cNvPr id="24" name="그림 23">
               <a:extLst>
                 <a:ext uri="{FF2B5EF4-FFF2-40B4-BE49-F238E27FC236}">
-                  <a16:creationId xmlns:a16="http://schemas.microsoft.com/office/drawing/2014/main" xmlns="" id="{E4D0F1A6-BA28-4235-B13E-BD39783C6E72}"/>
+                  <a16:creationId xmlns:a16="http://schemas.microsoft.com/office/drawing/2014/main" id="{E4D0F1A6-BA28-4235-B13E-BD39783C6E72}"/>
                 </a:ext>
               </a:extLst>
             </p:cNvPr>
@@ -4797,7 +4918,7 @@
             <p:cNvPr id="29" name="그룹 28">
               <a:extLst>
                 <a:ext uri="{FF2B5EF4-FFF2-40B4-BE49-F238E27FC236}">
-                  <a16:creationId xmlns:a16="http://schemas.microsoft.com/office/drawing/2014/main" xmlns="" id="{84CE5E02-8973-49F9-B237-BF1968B69172}"/>
+                  <a16:creationId xmlns:a16="http://schemas.microsoft.com/office/drawing/2014/main" id="{84CE5E02-8973-49F9-B237-BF1968B69172}"/>
                 </a:ext>
               </a:extLst>
             </p:cNvPr>
@@ -4817,7 +4938,7 @@
               <p:cNvPr id="26" name="그림 25">
                 <a:extLst>
                   <a:ext uri="{FF2B5EF4-FFF2-40B4-BE49-F238E27FC236}">
-                    <a16:creationId xmlns:a16="http://schemas.microsoft.com/office/drawing/2014/main" xmlns="" id="{B83B943C-7A84-4E48-B5DC-394690E071F9}"/>
+                    <a16:creationId xmlns:a16="http://schemas.microsoft.com/office/drawing/2014/main" id="{B83B943C-7A84-4E48-B5DC-394690E071F9}"/>
                   </a:ext>
                 </a:extLst>
               </p:cNvPr>
@@ -4847,7 +4968,7 @@
               <p:cNvPr id="28" name="그림 27">
                 <a:extLst>
                   <a:ext uri="{FF2B5EF4-FFF2-40B4-BE49-F238E27FC236}">
-                    <a16:creationId xmlns:a16="http://schemas.microsoft.com/office/drawing/2014/main" xmlns="" id="{3D69B6AD-CE91-489E-97F8-9C16204A6350}"/>
+                    <a16:creationId xmlns:a16="http://schemas.microsoft.com/office/drawing/2014/main" id="{3D69B6AD-CE91-489E-97F8-9C16204A6350}"/>
                   </a:ext>
                 </a:extLst>
               </p:cNvPr>
@@ -4878,7 +4999,7 @@
             <p:cNvPr id="31" name="그림 30">
               <a:extLst>
                 <a:ext uri="{FF2B5EF4-FFF2-40B4-BE49-F238E27FC236}">
-                  <a16:creationId xmlns:a16="http://schemas.microsoft.com/office/drawing/2014/main" xmlns="" id="{855C7F72-726B-4483-8685-A27ADBB3BE36}"/>
+                  <a16:creationId xmlns:a16="http://schemas.microsoft.com/office/drawing/2014/main" id="{855C7F72-726B-4483-8685-A27ADBB3BE36}"/>
                 </a:ext>
               </a:extLst>
             </p:cNvPr>
@@ -4908,7 +5029,7 @@
             <p:cNvPr id="33" name="그림 32">
               <a:extLst>
                 <a:ext uri="{FF2B5EF4-FFF2-40B4-BE49-F238E27FC236}">
-                  <a16:creationId xmlns:a16="http://schemas.microsoft.com/office/drawing/2014/main" xmlns="" id="{750849D7-B1FC-47DA-B1D5-0366933FA75B}"/>
+                  <a16:creationId xmlns:a16="http://schemas.microsoft.com/office/drawing/2014/main" id="{750849D7-B1FC-47DA-B1D5-0366933FA75B}"/>
                 </a:ext>
               </a:extLst>
             </p:cNvPr>
@@ -4938,7 +5059,7 @@
             <p:cNvPr id="35" name="그림 34">
               <a:extLst>
                 <a:ext uri="{FF2B5EF4-FFF2-40B4-BE49-F238E27FC236}">
-                  <a16:creationId xmlns:a16="http://schemas.microsoft.com/office/drawing/2014/main" xmlns="" id="{8EFD2624-DB5A-4763-84F8-5ECB64C8C10F}"/>
+                  <a16:creationId xmlns:a16="http://schemas.microsoft.com/office/drawing/2014/main" id="{8EFD2624-DB5A-4763-84F8-5ECB64C8C10F}"/>
                 </a:ext>
               </a:extLst>
             </p:cNvPr>
@@ -4968,7 +5089,7 @@
             <p:cNvPr id="37" name="그림 36">
               <a:extLst>
                 <a:ext uri="{FF2B5EF4-FFF2-40B4-BE49-F238E27FC236}">
-                  <a16:creationId xmlns:a16="http://schemas.microsoft.com/office/drawing/2014/main" xmlns="" id="{EF78E221-BBA3-4343-A77E-877A1EEA9419}"/>
+                  <a16:creationId xmlns:a16="http://schemas.microsoft.com/office/drawing/2014/main" id="{EF78E221-BBA3-4343-A77E-877A1EEA9419}"/>
                 </a:ext>
               </a:extLst>
             </p:cNvPr>
@@ -4998,7 +5119,7 @@
             <p:cNvPr id="39" name="그림 38">
               <a:extLst>
                 <a:ext uri="{FF2B5EF4-FFF2-40B4-BE49-F238E27FC236}">
-                  <a16:creationId xmlns:a16="http://schemas.microsoft.com/office/drawing/2014/main" xmlns="" id="{556896B7-913F-4B92-A2EE-F17D9EE22E8C}"/>
+                  <a16:creationId xmlns:a16="http://schemas.microsoft.com/office/drawing/2014/main" id="{556896B7-913F-4B92-A2EE-F17D9EE22E8C}"/>
                 </a:ext>
               </a:extLst>
             </p:cNvPr>
@@ -5028,7 +5149,7 @@
             <p:cNvPr id="41" name="그림 40">
               <a:extLst>
                 <a:ext uri="{FF2B5EF4-FFF2-40B4-BE49-F238E27FC236}">
-                  <a16:creationId xmlns:a16="http://schemas.microsoft.com/office/drawing/2014/main" xmlns="" id="{AB4A50BC-164B-4079-A65E-2F537B663D67}"/>
+                  <a16:creationId xmlns:a16="http://schemas.microsoft.com/office/drawing/2014/main" id="{AB4A50BC-164B-4079-A65E-2F537B663D67}"/>
                 </a:ext>
               </a:extLst>
             </p:cNvPr>
@@ -5058,7 +5179,7 @@
             <p:cNvPr id="43" name="그림 42">
               <a:extLst>
                 <a:ext uri="{FF2B5EF4-FFF2-40B4-BE49-F238E27FC236}">
-                  <a16:creationId xmlns:a16="http://schemas.microsoft.com/office/drawing/2014/main" xmlns="" id="{5510F914-36F6-40E1-8E83-030B5B79030D}"/>
+                  <a16:creationId xmlns:a16="http://schemas.microsoft.com/office/drawing/2014/main" id="{5510F914-36F6-40E1-8E83-030B5B79030D}"/>
                 </a:ext>
               </a:extLst>
             </p:cNvPr>
@@ -5088,7 +5209,7 @@
             <p:cNvPr id="45" name="그림 44">
               <a:extLst>
                 <a:ext uri="{FF2B5EF4-FFF2-40B4-BE49-F238E27FC236}">
-                  <a16:creationId xmlns:a16="http://schemas.microsoft.com/office/drawing/2014/main" xmlns="" id="{90887C42-524A-4EE3-B6AD-4C6FB2A30BFC}"/>
+                  <a16:creationId xmlns:a16="http://schemas.microsoft.com/office/drawing/2014/main" id="{90887C42-524A-4EE3-B6AD-4C6FB2A30BFC}"/>
                 </a:ext>
               </a:extLst>
             </p:cNvPr>
@@ -5118,7 +5239,7 @@
             <p:cNvPr id="47" name="그림 46">
               <a:extLst>
                 <a:ext uri="{FF2B5EF4-FFF2-40B4-BE49-F238E27FC236}">
-                  <a16:creationId xmlns:a16="http://schemas.microsoft.com/office/drawing/2014/main" xmlns="" id="{FDB8A7B6-394E-4214-820B-E6B6D703FEF5}"/>
+                  <a16:creationId xmlns:a16="http://schemas.microsoft.com/office/drawing/2014/main" id="{FDB8A7B6-394E-4214-820B-E6B6D703FEF5}"/>
                 </a:ext>
               </a:extLst>
             </p:cNvPr>
@@ -5254,7 +5375,7 @@
           <p:cNvPr id="2" name="슬라이드 번호 개체 틀 1">
             <a:extLst>
               <a:ext uri="{FF2B5EF4-FFF2-40B4-BE49-F238E27FC236}">
-                <a16:creationId xmlns:a16="http://schemas.microsoft.com/office/drawing/2014/main" xmlns="" id="{DFA9523A-FE8A-40ED-A3FE-FFC4FE867470}"/>
+                <a16:creationId xmlns:a16="http://schemas.microsoft.com/office/drawing/2014/main" id="{DFA9523A-FE8A-40ED-A3FE-FFC4FE867470}"/>
               </a:ext>
             </a:extLst>
           </p:cNvPr>
@@ -5303,7 +5424,7 @@
               <p:cNvPr id="3" name="제목 2">
                 <a:extLst>
                   <a:ext uri="{FF2B5EF4-FFF2-40B4-BE49-F238E27FC236}">
-                    <a16:creationId xmlns:a16="http://schemas.microsoft.com/office/drawing/2014/main" xmlns="" id="{E5B3669A-161F-46A5-9796-E3392434D94A}"/>
+                    <a16:creationId xmlns:a16="http://schemas.microsoft.com/office/drawing/2014/main" id="{E5B3669A-161F-46A5-9796-E3392434D94A}"/>
                   </a:ext>
                 </a:extLst>
               </p:cNvPr>
@@ -5402,7 +5523,7 @@
           <p:cNvPr id="4" name="내용 개체 틀 3">
             <a:extLst>
               <a:ext uri="{FF2B5EF4-FFF2-40B4-BE49-F238E27FC236}">
-                <a16:creationId xmlns:a16="http://schemas.microsoft.com/office/drawing/2014/main" xmlns="" id="{CF13B49B-EA0B-4EBF-AA25-578857DB8EDA}"/>
+                <a16:creationId xmlns:a16="http://schemas.microsoft.com/office/drawing/2014/main" id="{CF13B49B-EA0B-4EBF-AA25-578857DB8EDA}"/>
               </a:ext>
             </a:extLst>
           </p:cNvPr>
@@ -5651,7 +5772,7 @@
           <p:cNvPr id="6" name="그림 5">
             <a:extLst>
               <a:ext uri="{FF2B5EF4-FFF2-40B4-BE49-F238E27FC236}">
-                <a16:creationId xmlns:a16="http://schemas.microsoft.com/office/drawing/2014/main" xmlns="" id="{F2FD09E5-5C5F-4FB1-9AB2-7CB2F0946361}"/>
+                <a16:creationId xmlns:a16="http://schemas.microsoft.com/office/drawing/2014/main" id="{F2FD09E5-5C5F-4FB1-9AB2-7CB2F0946361}"/>
               </a:ext>
             </a:extLst>
           </p:cNvPr>
@@ -5710,13 +5831,6 @@
   <p:clrMapOvr>
     <a:masterClrMapping/>
   </p:clrMapOvr>
-  <p:timing>
-    <p:tnLst>
-      <p:par>
-        <p:cTn id="1" dur="indefinite" restart="never" nodeType="tmRoot"/>
-      </p:par>
-    </p:tnLst>
-  </p:timing>
 </p:sld>
 </file>
 
@@ -5979,10 +6093,6 @@
                     <a:sym typeface="Wingdings" panose="05000000000000000000" pitchFamily="2" charset="2"/>
                   </a:rPr>
                   <a:t></a:t>
-                </a:r>
-                <a:r>
-                  <a:rPr lang="en-US" altLang="ko-KR" dirty="0"/>
-                  <a:t/>
                 </a:r>
                 <a:br>
                   <a:rPr lang="en-US" altLang="ko-KR" dirty="0"/>
@@ -6333,7 +6443,7 @@
           <p:cNvPr id="11" name="내용 개체 틀 3">
             <a:extLst>
               <a:ext uri="{FF2B5EF4-FFF2-40B4-BE49-F238E27FC236}">
-                <a16:creationId xmlns:a16="http://schemas.microsoft.com/office/drawing/2014/main" xmlns="" id="{9BF9F9DE-5EAF-453A-936F-BC3C6010FC6B}"/>
+                <a16:creationId xmlns:a16="http://schemas.microsoft.com/office/drawing/2014/main" id="{9BF9F9DE-5EAF-453A-936F-BC3C6010FC6B}"/>
               </a:ext>
             </a:extLst>
           </p:cNvPr>
@@ -6553,7 +6663,7 @@
           <p:cNvPr id="13" name="내용 개체 틀 3">
             <a:extLst>
               <a:ext uri="{FF2B5EF4-FFF2-40B4-BE49-F238E27FC236}">
-                <a16:creationId xmlns:a16="http://schemas.microsoft.com/office/drawing/2014/main" xmlns="" id="{1C7B544F-9712-40B6-A0A8-6C154F65C23C}"/>
+                <a16:creationId xmlns:a16="http://schemas.microsoft.com/office/drawing/2014/main" id="{1C7B544F-9712-40B6-A0A8-6C154F65C23C}"/>
               </a:ext>
             </a:extLst>
           </p:cNvPr>
@@ -6773,7 +6883,7 @@
           <p:cNvPr id="14" name="내용 개체 틀 3">
             <a:extLst>
               <a:ext uri="{FF2B5EF4-FFF2-40B4-BE49-F238E27FC236}">
-                <a16:creationId xmlns:a16="http://schemas.microsoft.com/office/drawing/2014/main" xmlns="" id="{A96219FC-13C5-47CE-8529-1BC8718C1594}"/>
+                <a16:creationId xmlns:a16="http://schemas.microsoft.com/office/drawing/2014/main" id="{A96219FC-13C5-47CE-8529-1BC8718C1594}"/>
               </a:ext>
             </a:extLst>
           </p:cNvPr>
@@ -6998,13 +7108,6 @@
   <p:clrMapOvr>
     <a:masterClrMapping/>
   </p:clrMapOvr>
-  <p:timing>
-    <p:tnLst>
-      <p:par>
-        <p:cTn id="1" dur="indefinite" restart="never" nodeType="tmRoot"/>
-      </p:par>
-    </p:tnLst>
-  </p:timing>
 </p:sld>
 </file>
 
@@ -7359,7 +7462,7 @@
           <a:graphicData uri="http://schemas.openxmlformats.org/presentationml/2006/ole">
             <mc:AlternateContent xmlns:mc="http://schemas.openxmlformats.org/markup-compatibility/2006">
               <mc:Choice xmlns:v="urn:schemas-microsoft-com:vml" Requires="v">
-                <p:oleObj spid="_x0000_s7239" name="Equation" r:id="rId4" imgW="1841400" imgH="711000" progId="Equation.DSMT4">
+                <p:oleObj spid="_x0000_s7242" name="Equation" r:id="rId4" imgW="1841400" imgH="711000" progId="Equation.DSMT4">
                   <p:embed/>
                 </p:oleObj>
               </mc:Choice>
@@ -7410,7 +7513,7 @@
           <a:graphicData uri="http://schemas.openxmlformats.org/presentationml/2006/ole">
             <mc:AlternateContent xmlns:mc="http://schemas.openxmlformats.org/markup-compatibility/2006">
               <mc:Choice xmlns:v="urn:schemas-microsoft-com:vml" Requires="v">
-                <p:oleObj spid="_x0000_s7240" name="Equation" r:id="rId6" imgW="1815840" imgH="647640" progId="Equation.DSMT4">
+                <p:oleObj spid="_x0000_s7243" name="Equation" r:id="rId6" imgW="1815840" imgH="647640" progId="Equation.DSMT4">
                   <p:embed/>
                 </p:oleObj>
               </mc:Choice>
@@ -7467,7 +7570,7 @@
           <a:graphicData uri="http://schemas.openxmlformats.org/presentationml/2006/ole">
             <mc:AlternateContent xmlns:mc="http://schemas.openxmlformats.org/markup-compatibility/2006">
               <mc:Choice xmlns:v="urn:schemas-microsoft-com:vml" Requires="v">
-                <p:oleObj spid="_x0000_s7241" name="Equation" r:id="rId8" imgW="2997000" imgH="1143000" progId="Equation.DSMT4">
+                <p:oleObj spid="_x0000_s7244" name="Equation" r:id="rId8" imgW="2997000" imgH="1143000" progId="Equation.DSMT4">
                   <p:embed/>
                 </p:oleObj>
               </mc:Choice>
@@ -7536,13 +7639,6 @@
   <p:clrMapOvr>
     <a:masterClrMapping/>
   </p:clrMapOvr>
-  <p:timing>
-    <p:tnLst>
-      <p:par>
-        <p:cTn id="1" dur="indefinite" restart="never" nodeType="tmRoot"/>
-      </p:par>
-    </p:tnLst>
-  </p:timing>
 </p:sld>
 </file>
 
@@ -7785,7 +7881,7 @@
           <a:graphicData uri="http://schemas.openxmlformats.org/presentationml/2006/ole">
             <mc:AlternateContent xmlns:mc="http://schemas.openxmlformats.org/markup-compatibility/2006">
               <mc:Choice xmlns:v="urn:schemas-microsoft-com:vml" Requires="v">
-                <p:oleObj spid="_x0000_s6170" name="Equation" r:id="rId4" imgW="4470120" imgH="761760" progId="Equation.DSMT4">
+                <p:oleObj spid="_x0000_s6171" name="Equation" r:id="rId4" imgW="4470120" imgH="761760" progId="Equation.DSMT4">
                   <p:embed/>
                 </p:oleObj>
               </mc:Choice>
@@ -7830,13 +7926,6 @@
   <p:clrMapOvr>
     <a:masterClrMapping/>
   </p:clrMapOvr>
-  <p:timing>
-    <p:tnLst>
-      <p:par>
-        <p:cTn id="1" dur="indefinite" restart="never" nodeType="tmRoot"/>
-      </p:par>
-    </p:tnLst>
-  </p:timing>
 </p:sld>
 </file>
 
@@ -8096,13 +8185,6 @@
   <p:clrMapOvr>
     <a:masterClrMapping/>
   </p:clrMapOvr>
-  <p:timing>
-    <p:tnLst>
-      <p:par>
-        <p:cTn id="1" dur="indefinite" restart="never" nodeType="tmRoot"/>
-      </p:par>
-    </p:tnLst>
-  </p:timing>
 </p:sld>
 </file>
 
@@ -8202,13 +8284,6 @@
   <p:clrMapOvr>
     <a:masterClrMapping/>
   </p:clrMapOvr>
-  <p:timing>
-    <p:tnLst>
-      <p:par>
-        <p:cTn id="1" dur="indefinite" restart="never" nodeType="tmRoot"/>
-      </p:par>
-    </p:tnLst>
-  </p:timing>
 </p:sld>
 </file>
 
@@ -8666,13 +8741,6 @@
   <p:clrMapOvr>
     <a:masterClrMapping/>
   </p:clrMapOvr>
-  <p:timing>
-    <p:tnLst>
-      <p:par>
-        <p:cTn id="1" dur="indefinite" restart="never" nodeType="tmRoot"/>
-      </p:par>
-    </p:tnLst>
-  </p:timing>
 </p:sld>
 </file>
 
@@ -8930,13 +8998,6 @@
   <p:clrMapOvr>
     <a:masterClrMapping/>
   </p:clrMapOvr>
-  <p:timing>
-    <p:tnLst>
-      <p:par>
-        <p:cTn id="1" dur="indefinite" restart="never" nodeType="tmRoot"/>
-      </p:par>
-    </p:tnLst>
-  </p:timing>
 </p:sld>
 </file>
 
@@ -9040,13 +9101,13 @@
           <a:p>
             <a:pPr lvl="1"/>
             <a:r>
-              <a:rPr lang="en-US" altLang="ko-KR" dirty="0" smtClean="0">
+              <a:rPr lang="en-US" altLang="ko-KR" dirty="0">
                 <a:sym typeface="Wingdings" panose="05000000000000000000" pitchFamily="2" charset="2"/>
               </a:rPr>
               <a:t>MITC6a</a:t>
             </a:r>
             <a:r>
-              <a:rPr lang="ko-KR" altLang="en-US" dirty="0" smtClean="0">
+              <a:rPr lang="ko-KR" altLang="en-US" dirty="0">
                 <a:sym typeface="Wingdings" panose="05000000000000000000" pitchFamily="2" charset="2"/>
               </a:rPr>
               <a:t> </a:t>
@@ -9221,7 +9282,7 @@
           <a:graphicData uri="http://schemas.openxmlformats.org/presentationml/2006/ole">
             <mc:AlternateContent xmlns:mc="http://schemas.openxmlformats.org/markup-compatibility/2006">
               <mc:Choice xmlns:v="urn:schemas-microsoft-com:vml" Requires="v">
-                <p:oleObj spid="_x0000_s5225" name="Equation" r:id="rId3" imgW="3784320" imgH="787320" progId="Equation.DSMT4">
+                <p:oleObj spid="_x0000_s5229" name="Equation" r:id="rId3" imgW="3784320" imgH="787320" progId="Equation.DSMT4">
                   <p:embed/>
                 </p:oleObj>
               </mc:Choice>
@@ -9308,7 +9369,7 @@
           <a:graphicData uri="http://schemas.openxmlformats.org/presentationml/2006/ole">
             <mc:AlternateContent xmlns:mc="http://schemas.openxmlformats.org/markup-compatibility/2006">
               <mc:Choice xmlns:v="urn:schemas-microsoft-com:vml" Requires="v">
-                <p:oleObj spid="_x0000_s5226" name="Equation" r:id="rId6" imgW="1815840" imgH="647640" progId="Equation.DSMT4">
+                <p:oleObj spid="_x0000_s5230" name="Equation" r:id="rId6" imgW="1815840" imgH="647640" progId="Equation.DSMT4">
                   <p:embed/>
                 </p:oleObj>
               </mc:Choice>
@@ -9365,7 +9426,7 @@
           <a:graphicData uri="http://schemas.openxmlformats.org/presentationml/2006/ole">
             <mc:AlternateContent xmlns:mc="http://schemas.openxmlformats.org/markup-compatibility/2006">
               <mc:Choice xmlns:v="urn:schemas-microsoft-com:vml" Requires="v">
-                <p:oleObj spid="_x0000_s5227" name="Equation" r:id="rId8" imgW="5968800" imgH="1498320" progId="Equation.DSMT4">
+                <p:oleObj spid="_x0000_s5231" name="Equation" r:id="rId8" imgW="5968800" imgH="1498320" progId="Equation.DSMT4">
                   <p:embed/>
                 </p:oleObj>
               </mc:Choice>
@@ -9422,7 +9483,7 @@
           <a:graphicData uri="http://schemas.openxmlformats.org/presentationml/2006/ole">
             <mc:AlternateContent xmlns:mc="http://schemas.openxmlformats.org/markup-compatibility/2006">
               <mc:Choice xmlns:v="urn:schemas-microsoft-com:vml" Requires="v">
-                <p:oleObj spid="_x0000_s5228" name="Equation" r:id="rId10" imgW="4165560" imgH="1041120" progId="Equation.DSMT4">
+                <p:oleObj spid="_x0000_s5232" name="Equation" r:id="rId10" imgW="4165560" imgH="1041120" progId="Equation.DSMT4">
                   <p:embed/>
                 </p:oleObj>
               </mc:Choice>
@@ -9492,7 +9553,7 @@
           <p:cNvPr id="2" name="슬라이드 번호 개체 틀 1">
             <a:extLst>
               <a:ext uri="{FF2B5EF4-FFF2-40B4-BE49-F238E27FC236}">
-                <a16:creationId xmlns:a16="http://schemas.microsoft.com/office/drawing/2014/main" xmlns="" id="{2FBE9B23-5FC7-4F72-BD26-BCC8F53D4449}"/>
+                <a16:creationId xmlns:a16="http://schemas.microsoft.com/office/drawing/2014/main" id="{2FBE9B23-5FC7-4F72-BD26-BCC8F53D4449}"/>
               </a:ext>
             </a:extLst>
           </p:cNvPr>
@@ -9539,7 +9600,7 @@
           <p:cNvPr id="3" name="제목 2">
             <a:extLst>
               <a:ext uri="{FF2B5EF4-FFF2-40B4-BE49-F238E27FC236}">
-                <a16:creationId xmlns:a16="http://schemas.microsoft.com/office/drawing/2014/main" xmlns="" id="{F33F9598-470F-453F-B1B1-E526E2844B64}"/>
+                <a16:creationId xmlns:a16="http://schemas.microsoft.com/office/drawing/2014/main" id="{F33F9598-470F-453F-B1B1-E526E2844B64}"/>
               </a:ext>
             </a:extLst>
           </p:cNvPr>
@@ -9571,7 +9632,7 @@
           <p:cNvPr id="5" name="내용 개체 틀 4">
             <a:extLst>
               <a:ext uri="{FF2B5EF4-FFF2-40B4-BE49-F238E27FC236}">
-                <a16:creationId xmlns:a16="http://schemas.microsoft.com/office/drawing/2014/main" xmlns="" id="{AA537E1B-458C-4F0C-88F5-EE20282D2B39}"/>
+                <a16:creationId xmlns:a16="http://schemas.microsoft.com/office/drawing/2014/main" id="{AA537E1B-458C-4F0C-88F5-EE20282D2B39}"/>
               </a:ext>
             </a:extLst>
           </p:cNvPr>
@@ -9608,13 +9669,6 @@
   <p:clrMapOvr>
     <a:masterClrMapping/>
   </p:clrMapOvr>
-  <p:timing>
-    <p:tnLst>
-      <p:par>
-        <p:cTn id="1" dur="indefinite" restart="never" nodeType="tmRoot"/>
-      </p:par>
-    </p:tnLst>
-  </p:timing>
 </p:sld>
 </file>
 
@@ -9640,7 +9694,7 @@
           <p:cNvPr id="2" name="슬라이드 번호 개체 틀 1">
             <a:extLst>
               <a:ext uri="{FF2B5EF4-FFF2-40B4-BE49-F238E27FC236}">
-                <a16:creationId xmlns:a16="http://schemas.microsoft.com/office/drawing/2014/main" xmlns="" id="{F2290CF0-8B1E-4B34-AA06-F155C06CC71F}"/>
+                <a16:creationId xmlns:a16="http://schemas.microsoft.com/office/drawing/2014/main" id="{F2290CF0-8B1E-4B34-AA06-F155C06CC71F}"/>
               </a:ext>
             </a:extLst>
           </p:cNvPr>
@@ -9687,7 +9741,7 @@
           <p:cNvPr id="3" name="제목 2">
             <a:extLst>
               <a:ext uri="{FF2B5EF4-FFF2-40B4-BE49-F238E27FC236}">
-                <a16:creationId xmlns:a16="http://schemas.microsoft.com/office/drawing/2014/main" xmlns="" id="{2FB01EA6-63D5-4B37-8F7B-596B1517B9B5}"/>
+                <a16:creationId xmlns:a16="http://schemas.microsoft.com/office/drawing/2014/main" id="{2FB01EA6-63D5-4B37-8F7B-596B1517B9B5}"/>
               </a:ext>
             </a:extLst>
           </p:cNvPr>
@@ -9719,7 +9773,7 @@
           <p:cNvPr id="4" name="내용 개체 틀 3">
             <a:extLst>
               <a:ext uri="{FF2B5EF4-FFF2-40B4-BE49-F238E27FC236}">
-                <a16:creationId xmlns:a16="http://schemas.microsoft.com/office/drawing/2014/main" xmlns="" id="{17110D09-BB6D-4AC7-A0BD-B652004B23B8}"/>
+                <a16:creationId xmlns:a16="http://schemas.microsoft.com/office/drawing/2014/main" id="{17110D09-BB6D-4AC7-A0BD-B652004B23B8}"/>
               </a:ext>
             </a:extLst>
           </p:cNvPr>
@@ -9885,7 +9939,7 @@
           <p:cNvPr id="7" name="그림 6">
             <a:extLst>
               <a:ext uri="{FF2B5EF4-FFF2-40B4-BE49-F238E27FC236}">
-                <a16:creationId xmlns:a16="http://schemas.microsoft.com/office/drawing/2014/main" xmlns="" id="{BC864A8C-7FC7-463A-9B61-AFE56839BD50}"/>
+                <a16:creationId xmlns:a16="http://schemas.microsoft.com/office/drawing/2014/main" id="{BC864A8C-7FC7-463A-9B61-AFE56839BD50}"/>
               </a:ext>
             </a:extLst>
           </p:cNvPr>
@@ -9920,7 +9974,7 @@
           <p:cNvPr id="10" name="내용 개체 틀 3">
             <a:extLst>
               <a:ext uri="{FF2B5EF4-FFF2-40B4-BE49-F238E27FC236}">
-                <a16:creationId xmlns:a16="http://schemas.microsoft.com/office/drawing/2014/main" xmlns="" id="{80FFFF23-085A-48AB-9BB9-9EBC4F3C9A7A}"/>
+                <a16:creationId xmlns:a16="http://schemas.microsoft.com/office/drawing/2014/main" id="{80FFFF23-085A-48AB-9BB9-9EBC4F3C9A7A}"/>
               </a:ext>
             </a:extLst>
           </p:cNvPr>
@@ -10144,13 +10198,6 @@
   <p:clrMapOvr>
     <a:masterClrMapping/>
   </p:clrMapOvr>
-  <p:timing>
-    <p:tnLst>
-      <p:par>
-        <p:cTn id="1" dur="indefinite" restart="never" nodeType="tmRoot"/>
-      </p:par>
-    </p:tnLst>
-  </p:timing>
 </p:sld>
 </file>
 
@@ -10421,7 +10468,7 @@
           <a:graphicData uri="http://schemas.openxmlformats.org/presentationml/2006/ole">
             <mc:AlternateContent xmlns:mc="http://schemas.openxmlformats.org/markup-compatibility/2006">
               <mc:Choice xmlns:v="urn:schemas-microsoft-com:vml" Requires="v">
-                <p:oleObj spid="_x0000_s1116" name="Equation" r:id="rId4" imgW="761760" imgH="393480" progId="Equation.DSMT4">
+                <p:oleObj spid="_x0000_s1118" name="Equation" r:id="rId4" imgW="761760" imgH="393480" progId="Equation.DSMT4">
                   <p:embed/>
                 </p:oleObj>
               </mc:Choice>
@@ -10478,7 +10525,7 @@
           <a:graphicData uri="http://schemas.openxmlformats.org/presentationml/2006/ole">
             <mc:AlternateContent xmlns:mc="http://schemas.openxmlformats.org/markup-compatibility/2006">
               <mc:Choice xmlns:v="urn:schemas-microsoft-com:vml" Requires="v">
-                <p:oleObj spid="_x0000_s1117" name="Equation" r:id="rId6" imgW="2095200" imgH="393480" progId="Equation.DSMT4">
+                <p:oleObj spid="_x0000_s1119" name="Equation" r:id="rId6" imgW="2095200" imgH="393480" progId="Equation.DSMT4">
                   <p:embed/>
                 </p:oleObj>
               </mc:Choice>
@@ -10523,13 +10570,6 @@
   <p:clrMapOvr>
     <a:masterClrMapping/>
   </p:clrMapOvr>
-  <p:timing>
-    <p:tnLst>
-      <p:par>
-        <p:cTn id="1" dur="indefinite" restart="never" nodeType="tmRoot"/>
-      </p:par>
-    </p:tnLst>
-  </p:timing>
 </p:sld>
 </file>
 
@@ -11178,13 +11218,6 @@
   <p:clrMapOvr>
     <a:masterClrMapping/>
   </p:clrMapOvr>
-  <p:timing>
-    <p:tnLst>
-      <p:par>
-        <p:cTn id="1" dur="indefinite" restart="never" nodeType="tmRoot"/>
-      </p:par>
-    </p:tnLst>
-  </p:timing>
 </p:sld>
 </file>
 
@@ -11438,7 +11471,7 @@
           <a:graphicData uri="http://schemas.openxmlformats.org/presentationml/2006/ole">
             <mc:AlternateContent xmlns:mc="http://schemas.openxmlformats.org/markup-compatibility/2006">
               <mc:Choice xmlns:v="urn:schemas-microsoft-com:vml" Requires="v">
-                <p:oleObj spid="_x0000_s2222" name="Equation" r:id="rId4" imgW="1473120" imgH="291960" progId="Equation.DSMT4">
+                <p:oleObj spid="_x0000_s2226" name="Equation" r:id="rId4" imgW="1473120" imgH="291960" progId="Equation.DSMT4">
                   <p:embed/>
                 </p:oleObj>
               </mc:Choice>
@@ -11495,7 +11528,7 @@
           <a:graphicData uri="http://schemas.openxmlformats.org/presentationml/2006/ole">
             <mc:AlternateContent xmlns:mc="http://schemas.openxmlformats.org/markup-compatibility/2006">
               <mc:Choice xmlns:v="urn:schemas-microsoft-com:vml" Requires="v">
-                <p:oleObj spid="_x0000_s2223" name="Equation" r:id="rId6" imgW="1002960" imgH="228600" progId="Equation.DSMT4">
+                <p:oleObj spid="_x0000_s2227" name="Equation" r:id="rId6" imgW="1002960" imgH="228600" progId="Equation.DSMT4">
                   <p:embed/>
                 </p:oleObj>
               </mc:Choice>
@@ -11552,7 +11585,7 @@
           <a:graphicData uri="http://schemas.openxmlformats.org/presentationml/2006/ole">
             <mc:AlternateContent xmlns:mc="http://schemas.openxmlformats.org/markup-compatibility/2006">
               <mc:Choice xmlns:v="urn:schemas-microsoft-com:vml" Requires="v">
-                <p:oleObj spid="_x0000_s2224" name="Equation" r:id="rId8" imgW="711000" imgH="241200" progId="Equation.DSMT4">
+                <p:oleObj spid="_x0000_s2228" name="Equation" r:id="rId8" imgW="711000" imgH="241200" progId="Equation.DSMT4">
                   <p:embed/>
                 </p:oleObj>
               </mc:Choice>
@@ -11609,7 +11642,7 @@
           <a:graphicData uri="http://schemas.openxmlformats.org/presentationml/2006/ole">
             <mc:AlternateContent xmlns:mc="http://schemas.openxmlformats.org/markup-compatibility/2006">
               <mc:Choice xmlns:v="urn:schemas-microsoft-com:vml" Requires="v">
-                <p:oleObj spid="_x0000_s2225" name="Equation" r:id="rId10" imgW="1180800" imgH="507960" progId="Equation.DSMT4">
+                <p:oleObj spid="_x0000_s2229" name="Equation" r:id="rId10" imgW="1180800" imgH="507960" progId="Equation.DSMT4">
                   <p:embed/>
                 </p:oleObj>
               </mc:Choice>
@@ -11654,13 +11687,6 @@
   <p:clrMapOvr>
     <a:masterClrMapping/>
   </p:clrMapOvr>
-  <p:timing>
-    <p:tnLst>
-      <p:par>
-        <p:cTn id="1" dur="indefinite" restart="never" nodeType="tmRoot"/>
-      </p:par>
-    </p:tnLst>
-  </p:timing>
 </p:sld>
 </file>
 
@@ -11865,7 +11891,7 @@
           <a:graphicData uri="http://schemas.openxmlformats.org/presentationml/2006/ole">
             <mc:AlternateContent xmlns:mc="http://schemas.openxmlformats.org/markup-compatibility/2006">
               <mc:Choice xmlns:v="urn:schemas-microsoft-com:vml" Requires="v">
-                <p:oleObj spid="_x0000_s3332" name="Equation" r:id="rId4" imgW="4470120" imgH="291960" progId="Equation.DSMT4">
+                <p:oleObj spid="_x0000_s3337" name="Equation" r:id="rId4" imgW="4470120" imgH="291960" progId="Equation.DSMT4">
                   <p:embed/>
                 </p:oleObj>
               </mc:Choice>
@@ -11922,7 +11948,7 @@
           <a:graphicData uri="http://schemas.openxmlformats.org/presentationml/2006/ole">
             <mc:AlternateContent xmlns:mc="http://schemas.openxmlformats.org/markup-compatibility/2006">
               <mc:Choice xmlns:v="urn:schemas-microsoft-com:vml" Requires="v">
-                <p:oleObj spid="_x0000_s3333" name="Equation" r:id="rId6" imgW="4203360" imgH="241200" progId="Equation.DSMT4">
+                <p:oleObj spid="_x0000_s3338" name="Equation" r:id="rId6" imgW="4203360" imgH="241200" progId="Equation.DSMT4">
                   <p:embed/>
                 </p:oleObj>
               </mc:Choice>
@@ -11979,7 +12005,7 @@
           <a:graphicData uri="http://schemas.openxmlformats.org/presentationml/2006/ole">
             <mc:AlternateContent xmlns:mc="http://schemas.openxmlformats.org/markup-compatibility/2006">
               <mc:Choice xmlns:v="urn:schemas-microsoft-com:vml" Requires="v">
-                <p:oleObj spid="_x0000_s3334" name="Equation" r:id="rId8" imgW="2628720" imgH="241200" progId="Equation.DSMT4">
+                <p:oleObj spid="_x0000_s3339" name="Equation" r:id="rId8" imgW="2628720" imgH="241200" progId="Equation.DSMT4">
                   <p:embed/>
                 </p:oleObj>
               </mc:Choice>
@@ -12036,7 +12062,7 @@
           <a:graphicData uri="http://schemas.openxmlformats.org/presentationml/2006/ole">
             <mc:AlternateContent xmlns:mc="http://schemas.openxmlformats.org/markup-compatibility/2006">
               <mc:Choice xmlns:v="urn:schemas-microsoft-com:vml" Requires="v">
-                <p:oleObj spid="_x0000_s3335" name="Equation" r:id="rId10" imgW="3174840" imgH="291960" progId="Equation.DSMT4">
+                <p:oleObj spid="_x0000_s3340" name="Equation" r:id="rId10" imgW="3174840" imgH="291960" progId="Equation.DSMT4">
                   <p:embed/>
                 </p:oleObj>
               </mc:Choice>
@@ -12093,7 +12119,7 @@
           <a:graphicData uri="http://schemas.openxmlformats.org/presentationml/2006/ole">
             <mc:AlternateContent xmlns:mc="http://schemas.openxmlformats.org/markup-compatibility/2006">
               <mc:Choice xmlns:v="urn:schemas-microsoft-com:vml" Requires="v">
-                <p:oleObj spid="_x0000_s3336" name="Equation" r:id="rId12" imgW="1714320" imgH="253800" progId="Equation.DSMT4">
+                <p:oleObj spid="_x0000_s3341" name="Equation" r:id="rId12" imgW="1714320" imgH="253800" progId="Equation.DSMT4">
                   <p:embed/>
                 </p:oleObj>
               </mc:Choice>
@@ -12138,13 +12164,6 @@
   <p:clrMapOvr>
     <a:masterClrMapping/>
   </p:clrMapOvr>
-  <p:timing>
-    <p:tnLst>
-      <p:par>
-        <p:cTn id="1" dur="indefinite" restart="never" nodeType="tmRoot"/>
-      </p:par>
-    </p:tnLst>
-  </p:timing>
 </p:sld>
 </file>
 
@@ -12170,7 +12189,7 @@
           <p:cNvPr id="2" name="슬라이드 번호 개체 틀 1">
             <a:extLst>
               <a:ext uri="{FF2B5EF4-FFF2-40B4-BE49-F238E27FC236}">
-                <a16:creationId xmlns:a16="http://schemas.microsoft.com/office/drawing/2014/main" xmlns="" id="{69E4BB55-9867-42D5-AABF-EF37B4C7F8B5}"/>
+                <a16:creationId xmlns:a16="http://schemas.microsoft.com/office/drawing/2014/main" id="{69E4BB55-9867-42D5-AABF-EF37B4C7F8B5}"/>
               </a:ext>
             </a:extLst>
           </p:cNvPr>
@@ -12219,7 +12238,7 @@
               <p:cNvPr id="3" name="제목 2">
                 <a:extLst>
                   <a:ext uri="{FF2B5EF4-FFF2-40B4-BE49-F238E27FC236}">
-                    <a16:creationId xmlns:a16="http://schemas.microsoft.com/office/drawing/2014/main" xmlns="" id="{D7CD3CC6-7F5A-421F-9786-8993E277DE00}"/>
+                    <a16:creationId xmlns:a16="http://schemas.microsoft.com/office/drawing/2014/main" id="{D7CD3CC6-7F5A-421F-9786-8993E277DE00}"/>
                   </a:ext>
                 </a:extLst>
               </p:cNvPr>
@@ -12319,7 +12338,7 @@
           <p:cNvPr id="6" name="내용 개체 틀 5">
             <a:extLst>
               <a:ext uri="{FF2B5EF4-FFF2-40B4-BE49-F238E27FC236}">
-                <a16:creationId xmlns:a16="http://schemas.microsoft.com/office/drawing/2014/main" xmlns="" id="{26E65B15-652C-471C-B503-9BD1A7ECA9FF}"/>
+                <a16:creationId xmlns:a16="http://schemas.microsoft.com/office/drawing/2014/main" id="{26E65B15-652C-471C-B503-9BD1A7ECA9FF}"/>
               </a:ext>
             </a:extLst>
           </p:cNvPr>
@@ -12348,7 +12367,7 @@
           <p:cNvPr id="8" name="그림 7">
             <a:extLst>
               <a:ext uri="{FF2B5EF4-FFF2-40B4-BE49-F238E27FC236}">
-                <a16:creationId xmlns:a16="http://schemas.microsoft.com/office/drawing/2014/main" xmlns="" id="{8D86471E-9C3A-40C3-8F27-66A11AC93C24}"/>
+                <a16:creationId xmlns:a16="http://schemas.microsoft.com/office/drawing/2014/main" id="{8D86471E-9C3A-40C3-8F27-66A11AC93C24}"/>
               </a:ext>
             </a:extLst>
           </p:cNvPr>
@@ -12383,13 +12402,6 @@
   <p:clrMapOvr>
     <a:masterClrMapping/>
   </p:clrMapOvr>
-  <p:timing>
-    <p:tnLst>
-      <p:par>
-        <p:cTn id="1" dur="indefinite" restart="never" nodeType="tmRoot"/>
-      </p:par>
-    </p:tnLst>
-  </p:timing>
 </p:sld>
 </file>
 

--- a/발표자료/OJT발표(중간).pptx
+++ b/발표자료/OJT발표(중간).pptx
@@ -216,7 +216,7 @@
           <a:p>
             <a:fld id="{33398EAE-AB8D-47C0-B86E-CF4FDCF12E98}" type="datetimeFigureOut">
               <a:rPr lang="ko-KR" altLang="en-US" smtClean="0"/>
-              <a:t>2022-07-30</a:t>
+              <a:t>2022-08-03</a:t>
             </a:fld>
             <a:endParaRPr lang="ko-KR" altLang="en-US"/>
           </a:p>
@@ -583,9 +583,85 @@
               <a:t>+ </a:t>
             </a:r>
             <a:r>
-              <a:rPr lang="ko-KR" altLang="en-US"/>
-              <a:t>성장하기 좋은 환경</a:t>
-            </a:r>
+              <a:rPr lang="ko-KR" altLang="en-US" dirty="0"/>
+              <a:t>성장하기 좋은 </a:t>
+            </a:r>
+            <a:r>
+              <a:rPr lang="ko-KR" altLang="en-US" dirty="0" smtClean="0"/>
+              <a:t>환경</a:t>
+            </a:r>
+            <a:endParaRPr lang="en-US" altLang="ko-KR" dirty="0" smtClean="0"/>
+          </a:p>
+          <a:p>
+            <a:endParaRPr lang="en-US" altLang="ko-KR" dirty="0" smtClean="0"/>
+          </a:p>
+          <a:p>
+            <a:r>
+              <a:rPr lang="ko-KR" altLang="en-US" dirty="0" smtClean="0"/>
+              <a:t>셀의 목표와 </a:t>
+            </a:r>
+            <a:r>
+              <a:rPr lang="en-US" altLang="ko-KR" dirty="0" smtClean="0"/>
+              <a:t>align </a:t>
+            </a:r>
+            <a:r>
+              <a:rPr lang="ko-KR" altLang="en-US" dirty="0" smtClean="0"/>
+              <a:t>되어 있다</a:t>
+            </a:r>
+            <a:r>
+              <a:rPr lang="en-US" altLang="ko-KR" dirty="0" smtClean="0"/>
+              <a:t>.</a:t>
+            </a:r>
+          </a:p>
+          <a:p>
+            <a:r>
+              <a:rPr lang="ko-KR" altLang="en-US" dirty="0" smtClean="0"/>
+              <a:t>해석개발자로 성장 </a:t>
+            </a:r>
+            <a:endParaRPr lang="en-US" altLang="ko-KR" dirty="0" smtClean="0"/>
+          </a:p>
+          <a:p>
+            <a:r>
+              <a:rPr lang="ko-KR" altLang="en-US" dirty="0" smtClean="0"/>
+              <a:t>배우는 재미가 있다</a:t>
+            </a:r>
+            <a:r>
+              <a:rPr lang="en-US" altLang="ko-KR" dirty="0" smtClean="0"/>
+              <a:t>.</a:t>
+            </a:r>
+          </a:p>
+          <a:p>
+            <a:r>
+              <a:rPr lang="ko-KR" altLang="en-US" dirty="0" smtClean="0"/>
+              <a:t>긍정적인 이미지</a:t>
+            </a:r>
+            <a:r>
+              <a:rPr lang="en-US" altLang="ko-KR" dirty="0" smtClean="0"/>
+              <a:t>.</a:t>
+            </a:r>
+          </a:p>
+          <a:p>
+            <a:r>
+              <a:rPr lang="ko-KR" altLang="en-US" dirty="0" smtClean="0"/>
+              <a:t>기본기를 쌓아 향후 성장을 위한 기반을 다졌다</a:t>
+            </a:r>
+            <a:r>
+              <a:rPr lang="en-US" altLang="ko-KR" dirty="0" smtClean="0"/>
+              <a:t>.</a:t>
+            </a:r>
+          </a:p>
+          <a:p>
+            <a:r>
+              <a:rPr lang="en-US" altLang="ko-KR" dirty="0" smtClean="0"/>
+              <a:t>Feedback</a:t>
+            </a:r>
+            <a:r>
+              <a:rPr lang="ko-KR" altLang="en-US" smtClean="0"/>
+              <a:t>을 통해 성장</a:t>
+            </a:r>
+            <a:endParaRPr lang="en-US" altLang="ko-KR" dirty="0" smtClean="0"/>
+          </a:p>
+          <a:p>
             <a:endParaRPr lang="ko-KR" altLang="en-US" dirty="0"/>
           </a:p>
         </p:txBody>
@@ -2094,7 +2170,7 @@
           <p:cNvPr id="39" name="제목 6">
             <a:extLst>
               <a:ext uri="{FF2B5EF4-FFF2-40B4-BE49-F238E27FC236}">
-                <a16:creationId xmlns:a16="http://schemas.microsoft.com/office/drawing/2014/main" id="{4A3440A8-3A03-4A15-BAFB-D5FE7A558109}"/>
+                <a16:creationId xmlns:a16="http://schemas.microsoft.com/office/drawing/2014/main" xmlns="" id="{4A3440A8-3A03-4A15-BAFB-D5FE7A558109}"/>
               </a:ext>
             </a:extLst>
           </p:cNvPr>
@@ -2142,7 +2218,7 @@
           <p:cNvPr id="41" name="부제목 2">
             <a:extLst>
               <a:ext uri="{FF2B5EF4-FFF2-40B4-BE49-F238E27FC236}">
-                <a16:creationId xmlns:a16="http://schemas.microsoft.com/office/drawing/2014/main" id="{F2E10C5D-9964-41D2-8851-AC2EA72D2E04}"/>
+                <a16:creationId xmlns:a16="http://schemas.microsoft.com/office/drawing/2014/main" xmlns="" id="{F2E10C5D-9964-41D2-8851-AC2EA72D2E04}"/>
               </a:ext>
             </a:extLst>
           </p:cNvPr>
@@ -2188,7 +2264,7 @@
           <p:cNvPr id="46" name="직선 연결선 45">
             <a:extLst>
               <a:ext uri="{FF2B5EF4-FFF2-40B4-BE49-F238E27FC236}">
-                <a16:creationId xmlns:a16="http://schemas.microsoft.com/office/drawing/2014/main" id="{A29688E7-756C-420C-815C-D6EEAFFD2344}"/>
+                <a16:creationId xmlns:a16="http://schemas.microsoft.com/office/drawing/2014/main" xmlns="" id="{A29688E7-756C-420C-815C-D6EEAFFD2344}"/>
               </a:ext>
             </a:extLst>
           </p:cNvPr>
@@ -2556,7 +2632,7 @@
           <p:cNvPr id="10" name="Picture 30">
             <a:extLst>
               <a:ext uri="{FF2B5EF4-FFF2-40B4-BE49-F238E27FC236}">
-                <a16:creationId xmlns:a16="http://schemas.microsoft.com/office/drawing/2014/main" id="{1779309F-FC0E-4CEF-B77D-D0A38BE4F324}"/>
+                <a16:creationId xmlns:a16="http://schemas.microsoft.com/office/drawing/2014/main" xmlns="" id="{1779309F-FC0E-4CEF-B77D-D0A38BE4F324}"/>
               </a:ext>
             </a:extLst>
           </p:cNvPr>
@@ -3252,7 +3328,7 @@
           <p:cNvPr id="4" name="제목 3">
             <a:extLst>
               <a:ext uri="{FF2B5EF4-FFF2-40B4-BE49-F238E27FC236}">
-                <a16:creationId xmlns:a16="http://schemas.microsoft.com/office/drawing/2014/main" id="{99CA4061-3C97-4D11-A126-C52E3AA32791}"/>
+                <a16:creationId xmlns:a16="http://schemas.microsoft.com/office/drawing/2014/main" xmlns="" id="{99CA4061-3C97-4D11-A126-C52E3AA32791}"/>
               </a:ext>
             </a:extLst>
           </p:cNvPr>
@@ -3270,9 +3346,14 @@
           <a:p>
             <a:pPr algn="l"/>
             <a:r>
-              <a:rPr lang="ko-KR" altLang="en-US" sz="3200" dirty="0"/>
-              <a:t>발표회</a:t>
-            </a:r>
+              <a:rPr lang="en-US" altLang="ko-KR" sz="3200" dirty="0" smtClean="0"/>
+              <a:t>OJT </a:t>
+            </a:r>
+            <a:r>
+              <a:rPr lang="ko-KR" altLang="en-US" sz="3200" dirty="0" smtClean="0"/>
+              <a:t>발표</a:t>
+            </a:r>
+            <a:endParaRPr lang="ko-KR" altLang="en-US" sz="3200" dirty="0"/>
           </a:p>
         </p:txBody>
       </p:sp>
@@ -3281,7 +3362,7 @@
           <p:cNvPr id="8" name="부제목 7">
             <a:extLst>
               <a:ext uri="{FF2B5EF4-FFF2-40B4-BE49-F238E27FC236}">
-                <a16:creationId xmlns:a16="http://schemas.microsoft.com/office/drawing/2014/main" id="{2AB29143-72A2-4579-A12F-DD8FFE410A2C}"/>
+                <a16:creationId xmlns:a16="http://schemas.microsoft.com/office/drawing/2014/main" xmlns="" id="{2AB29143-72A2-4579-A12F-DD8FFE410A2C}"/>
               </a:ext>
             </a:extLst>
           </p:cNvPr>
@@ -3365,7 +3446,7 @@
           <p:cNvPr id="2" name="슬라이드 번호 개체 틀 1">
             <a:extLst>
               <a:ext uri="{FF2B5EF4-FFF2-40B4-BE49-F238E27FC236}">
-                <a16:creationId xmlns:a16="http://schemas.microsoft.com/office/drawing/2014/main" id="{B441C5D2-9FD5-4D02-8202-08446F21BEBF}"/>
+                <a16:creationId xmlns:a16="http://schemas.microsoft.com/office/drawing/2014/main" xmlns="" id="{B441C5D2-9FD5-4D02-8202-08446F21BEBF}"/>
               </a:ext>
             </a:extLst>
           </p:cNvPr>
@@ -3414,7 +3495,7 @@
               <p:cNvPr id="4" name="제목 3">
                 <a:extLst>
                   <a:ext uri="{FF2B5EF4-FFF2-40B4-BE49-F238E27FC236}">
-                    <a16:creationId xmlns:a16="http://schemas.microsoft.com/office/drawing/2014/main" id="{9E5CB9F4-FF15-4728-B8FB-97BCFE014E41}"/>
+                    <a16:creationId xmlns:a16="http://schemas.microsoft.com/office/drawing/2014/main" xmlns="" id="{9E5CB9F4-FF15-4728-B8FB-97BCFE014E41}"/>
                   </a:ext>
                 </a:extLst>
               </p:cNvPr>
@@ -3516,7 +3597,7 @@
               <p:cNvPr id="5" name="내용 개체 틀 4">
                 <a:extLst>
                   <a:ext uri="{FF2B5EF4-FFF2-40B4-BE49-F238E27FC236}">
-                    <a16:creationId xmlns:a16="http://schemas.microsoft.com/office/drawing/2014/main" id="{56526723-BC57-4857-AF84-4ADCEB2BA691}"/>
+                    <a16:creationId xmlns:a16="http://schemas.microsoft.com/office/drawing/2014/main" xmlns="" id="{56526723-BC57-4857-AF84-4ADCEB2BA691}"/>
                   </a:ext>
                 </a:extLst>
               </p:cNvPr>
@@ -3731,7 +3812,7 @@
           <a:graphicData uri="http://schemas.openxmlformats.org/presentationml/2006/ole">
             <mc:AlternateContent xmlns:mc="http://schemas.openxmlformats.org/markup-compatibility/2006">
               <mc:Choice xmlns:v="urn:schemas-microsoft-com:vml" Requires="v">
-                <p:oleObj spid="_x0000_s4188" name="Equation" r:id="rId5" imgW="3174840" imgH="291960" progId="Equation.DSMT4">
+                <p:oleObj spid="_x0000_s4192" name="Equation" r:id="rId5" imgW="3174840" imgH="291960" progId="Equation.DSMT4">
                   <p:embed/>
                 </p:oleObj>
               </mc:Choice>
@@ -3788,7 +3869,7 @@
           <a:graphicData uri="http://schemas.openxmlformats.org/presentationml/2006/ole">
             <mc:AlternateContent xmlns:mc="http://schemas.openxmlformats.org/markup-compatibility/2006">
               <mc:Choice xmlns:v="urn:schemas-microsoft-com:vml" Requires="v">
-                <p:oleObj spid="_x0000_s4189" name="Equation" r:id="rId7" imgW="1714320" imgH="253800" progId="Equation.DSMT4">
+                <p:oleObj spid="_x0000_s4193" name="Equation" r:id="rId7" imgW="1714320" imgH="253800" progId="Equation.DSMT4">
                   <p:embed/>
                 </p:oleObj>
               </mc:Choice>
@@ -4271,7 +4352,7 @@
           <p:cNvPr id="2" name="슬라이드 번호 개체 틀 1">
             <a:extLst>
               <a:ext uri="{FF2B5EF4-FFF2-40B4-BE49-F238E27FC236}">
-                <a16:creationId xmlns:a16="http://schemas.microsoft.com/office/drawing/2014/main" id="{FAAABC9C-F802-4225-A48E-C4721A78C9E3}"/>
+                <a16:creationId xmlns:a16="http://schemas.microsoft.com/office/drawing/2014/main" xmlns="" id="{FAAABC9C-F802-4225-A48E-C4721A78C9E3}"/>
               </a:ext>
             </a:extLst>
           </p:cNvPr>
@@ -4320,7 +4401,7 @@
               <p:cNvPr id="3" name="제목 2">
                 <a:extLst>
                   <a:ext uri="{FF2B5EF4-FFF2-40B4-BE49-F238E27FC236}">
-                    <a16:creationId xmlns:a16="http://schemas.microsoft.com/office/drawing/2014/main" id="{B17EFA9F-C7F7-4B5B-996D-348F145024BE}"/>
+                    <a16:creationId xmlns:a16="http://schemas.microsoft.com/office/drawing/2014/main" xmlns="" id="{B17EFA9F-C7F7-4B5B-996D-348F145024BE}"/>
                   </a:ext>
                 </a:extLst>
               </p:cNvPr>
@@ -4419,7 +4500,7 @@
           <p:cNvPr id="4" name="내용 개체 틀 3">
             <a:extLst>
               <a:ext uri="{FF2B5EF4-FFF2-40B4-BE49-F238E27FC236}">
-                <a16:creationId xmlns:a16="http://schemas.microsoft.com/office/drawing/2014/main" id="{36EDEFB6-1410-4CCA-8494-3F0B8834099F}"/>
+                <a16:creationId xmlns:a16="http://schemas.microsoft.com/office/drawing/2014/main" xmlns="" id="{36EDEFB6-1410-4CCA-8494-3F0B8834099F}"/>
               </a:ext>
             </a:extLst>
           </p:cNvPr>
@@ -4628,7 +4709,7 @@
           <p:cNvPr id="6" name="그림 5">
             <a:extLst>
               <a:ext uri="{FF2B5EF4-FFF2-40B4-BE49-F238E27FC236}">
-                <a16:creationId xmlns:a16="http://schemas.microsoft.com/office/drawing/2014/main" id="{96FCDB8F-541C-4D2E-BBB8-9B190E7846B6}"/>
+                <a16:creationId xmlns:a16="http://schemas.microsoft.com/office/drawing/2014/main" xmlns="" id="{96FCDB8F-541C-4D2E-BBB8-9B190E7846B6}"/>
               </a:ext>
             </a:extLst>
           </p:cNvPr>
@@ -4658,7 +4739,7 @@
           <p:cNvPr id="49" name="그룹 48">
             <a:extLst>
               <a:ext uri="{FF2B5EF4-FFF2-40B4-BE49-F238E27FC236}">
-                <a16:creationId xmlns:a16="http://schemas.microsoft.com/office/drawing/2014/main" id="{6A246A6F-34CF-4633-8C59-B4CA6F400403}"/>
+                <a16:creationId xmlns:a16="http://schemas.microsoft.com/office/drawing/2014/main" xmlns="" id="{6A246A6F-34CF-4633-8C59-B4CA6F400403}"/>
               </a:ext>
             </a:extLst>
           </p:cNvPr>
@@ -4678,7 +4759,7 @@
             <p:cNvPr id="10" name="그림 9">
               <a:extLst>
                 <a:ext uri="{FF2B5EF4-FFF2-40B4-BE49-F238E27FC236}">
-                  <a16:creationId xmlns:a16="http://schemas.microsoft.com/office/drawing/2014/main" id="{9075E1EF-21A0-4280-9D8D-23AB10CC4E55}"/>
+                  <a16:creationId xmlns:a16="http://schemas.microsoft.com/office/drawing/2014/main" xmlns="" id="{9075E1EF-21A0-4280-9D8D-23AB10CC4E55}"/>
                 </a:ext>
               </a:extLst>
             </p:cNvPr>
@@ -4708,7 +4789,7 @@
             <p:cNvPr id="12" name="그림 11">
               <a:extLst>
                 <a:ext uri="{FF2B5EF4-FFF2-40B4-BE49-F238E27FC236}">
-                  <a16:creationId xmlns:a16="http://schemas.microsoft.com/office/drawing/2014/main" id="{F10E228E-B672-4CD0-90C2-1FB5614A4486}"/>
+                  <a16:creationId xmlns:a16="http://schemas.microsoft.com/office/drawing/2014/main" xmlns="" id="{F10E228E-B672-4CD0-90C2-1FB5614A4486}"/>
                 </a:ext>
               </a:extLst>
             </p:cNvPr>
@@ -4738,7 +4819,7 @@
             <p:cNvPr id="14" name="그림 13">
               <a:extLst>
                 <a:ext uri="{FF2B5EF4-FFF2-40B4-BE49-F238E27FC236}">
-                  <a16:creationId xmlns:a16="http://schemas.microsoft.com/office/drawing/2014/main" id="{B5821B18-7437-4C13-8394-5968B9C93861}"/>
+                  <a16:creationId xmlns:a16="http://schemas.microsoft.com/office/drawing/2014/main" xmlns="" id="{B5821B18-7437-4C13-8394-5968B9C93861}"/>
                 </a:ext>
               </a:extLst>
             </p:cNvPr>
@@ -4768,7 +4849,7 @@
             <p:cNvPr id="16" name="그림 15">
               <a:extLst>
                 <a:ext uri="{FF2B5EF4-FFF2-40B4-BE49-F238E27FC236}">
-                  <a16:creationId xmlns:a16="http://schemas.microsoft.com/office/drawing/2014/main" id="{084A4E08-922E-4674-8DA4-537CA68D68AE}"/>
+                  <a16:creationId xmlns:a16="http://schemas.microsoft.com/office/drawing/2014/main" xmlns="" id="{084A4E08-922E-4674-8DA4-537CA68D68AE}"/>
                 </a:ext>
               </a:extLst>
             </p:cNvPr>
@@ -4798,7 +4879,7 @@
             <p:cNvPr id="18" name="그림 17">
               <a:extLst>
                 <a:ext uri="{FF2B5EF4-FFF2-40B4-BE49-F238E27FC236}">
-                  <a16:creationId xmlns:a16="http://schemas.microsoft.com/office/drawing/2014/main" id="{8BF52686-F218-483A-9758-FAB189DA8A76}"/>
+                  <a16:creationId xmlns:a16="http://schemas.microsoft.com/office/drawing/2014/main" xmlns="" id="{8BF52686-F218-483A-9758-FAB189DA8A76}"/>
                 </a:ext>
               </a:extLst>
             </p:cNvPr>
@@ -4828,7 +4909,7 @@
             <p:cNvPr id="20" name="그림 19">
               <a:extLst>
                 <a:ext uri="{FF2B5EF4-FFF2-40B4-BE49-F238E27FC236}">
-                  <a16:creationId xmlns:a16="http://schemas.microsoft.com/office/drawing/2014/main" id="{2BA9E6DC-E42B-4356-99B4-98FBFDEC0FC6}"/>
+                  <a16:creationId xmlns:a16="http://schemas.microsoft.com/office/drawing/2014/main" xmlns="" id="{2BA9E6DC-E42B-4356-99B4-98FBFDEC0FC6}"/>
                 </a:ext>
               </a:extLst>
             </p:cNvPr>
@@ -4858,7 +4939,7 @@
             <p:cNvPr id="22" name="그림 21">
               <a:extLst>
                 <a:ext uri="{FF2B5EF4-FFF2-40B4-BE49-F238E27FC236}">
-                  <a16:creationId xmlns:a16="http://schemas.microsoft.com/office/drawing/2014/main" id="{833C09E5-5575-48A0-9800-7BF361C354E8}"/>
+                  <a16:creationId xmlns:a16="http://schemas.microsoft.com/office/drawing/2014/main" xmlns="" id="{833C09E5-5575-48A0-9800-7BF361C354E8}"/>
                 </a:ext>
               </a:extLst>
             </p:cNvPr>
@@ -4888,7 +4969,7 @@
             <p:cNvPr id="24" name="그림 23">
               <a:extLst>
                 <a:ext uri="{FF2B5EF4-FFF2-40B4-BE49-F238E27FC236}">
-                  <a16:creationId xmlns:a16="http://schemas.microsoft.com/office/drawing/2014/main" id="{E4D0F1A6-BA28-4235-B13E-BD39783C6E72}"/>
+                  <a16:creationId xmlns:a16="http://schemas.microsoft.com/office/drawing/2014/main" xmlns="" id="{E4D0F1A6-BA28-4235-B13E-BD39783C6E72}"/>
                 </a:ext>
               </a:extLst>
             </p:cNvPr>
@@ -4918,7 +4999,7 @@
             <p:cNvPr id="29" name="그룹 28">
               <a:extLst>
                 <a:ext uri="{FF2B5EF4-FFF2-40B4-BE49-F238E27FC236}">
-                  <a16:creationId xmlns:a16="http://schemas.microsoft.com/office/drawing/2014/main" id="{84CE5E02-8973-49F9-B237-BF1968B69172}"/>
+                  <a16:creationId xmlns:a16="http://schemas.microsoft.com/office/drawing/2014/main" xmlns="" id="{84CE5E02-8973-49F9-B237-BF1968B69172}"/>
                 </a:ext>
               </a:extLst>
             </p:cNvPr>
@@ -4938,7 +5019,7 @@
               <p:cNvPr id="26" name="그림 25">
                 <a:extLst>
                   <a:ext uri="{FF2B5EF4-FFF2-40B4-BE49-F238E27FC236}">
-                    <a16:creationId xmlns:a16="http://schemas.microsoft.com/office/drawing/2014/main" id="{B83B943C-7A84-4E48-B5DC-394690E071F9}"/>
+                    <a16:creationId xmlns:a16="http://schemas.microsoft.com/office/drawing/2014/main" xmlns="" id="{B83B943C-7A84-4E48-B5DC-394690E071F9}"/>
                   </a:ext>
                 </a:extLst>
               </p:cNvPr>
@@ -4968,7 +5049,7 @@
               <p:cNvPr id="28" name="그림 27">
                 <a:extLst>
                   <a:ext uri="{FF2B5EF4-FFF2-40B4-BE49-F238E27FC236}">
-                    <a16:creationId xmlns:a16="http://schemas.microsoft.com/office/drawing/2014/main" id="{3D69B6AD-CE91-489E-97F8-9C16204A6350}"/>
+                    <a16:creationId xmlns:a16="http://schemas.microsoft.com/office/drawing/2014/main" xmlns="" id="{3D69B6AD-CE91-489E-97F8-9C16204A6350}"/>
                   </a:ext>
                 </a:extLst>
               </p:cNvPr>
@@ -4999,7 +5080,7 @@
             <p:cNvPr id="31" name="그림 30">
               <a:extLst>
                 <a:ext uri="{FF2B5EF4-FFF2-40B4-BE49-F238E27FC236}">
-                  <a16:creationId xmlns:a16="http://schemas.microsoft.com/office/drawing/2014/main" id="{855C7F72-726B-4483-8685-A27ADBB3BE36}"/>
+                  <a16:creationId xmlns:a16="http://schemas.microsoft.com/office/drawing/2014/main" xmlns="" id="{855C7F72-726B-4483-8685-A27ADBB3BE36}"/>
                 </a:ext>
               </a:extLst>
             </p:cNvPr>
@@ -5029,7 +5110,7 @@
             <p:cNvPr id="33" name="그림 32">
               <a:extLst>
                 <a:ext uri="{FF2B5EF4-FFF2-40B4-BE49-F238E27FC236}">
-                  <a16:creationId xmlns:a16="http://schemas.microsoft.com/office/drawing/2014/main" id="{750849D7-B1FC-47DA-B1D5-0366933FA75B}"/>
+                  <a16:creationId xmlns:a16="http://schemas.microsoft.com/office/drawing/2014/main" xmlns="" id="{750849D7-B1FC-47DA-B1D5-0366933FA75B}"/>
                 </a:ext>
               </a:extLst>
             </p:cNvPr>
@@ -5059,7 +5140,7 @@
             <p:cNvPr id="35" name="그림 34">
               <a:extLst>
                 <a:ext uri="{FF2B5EF4-FFF2-40B4-BE49-F238E27FC236}">
-                  <a16:creationId xmlns:a16="http://schemas.microsoft.com/office/drawing/2014/main" id="{8EFD2624-DB5A-4763-84F8-5ECB64C8C10F}"/>
+                  <a16:creationId xmlns:a16="http://schemas.microsoft.com/office/drawing/2014/main" xmlns="" id="{8EFD2624-DB5A-4763-84F8-5ECB64C8C10F}"/>
                 </a:ext>
               </a:extLst>
             </p:cNvPr>
@@ -5089,7 +5170,7 @@
             <p:cNvPr id="37" name="그림 36">
               <a:extLst>
                 <a:ext uri="{FF2B5EF4-FFF2-40B4-BE49-F238E27FC236}">
-                  <a16:creationId xmlns:a16="http://schemas.microsoft.com/office/drawing/2014/main" id="{EF78E221-BBA3-4343-A77E-877A1EEA9419}"/>
+                  <a16:creationId xmlns:a16="http://schemas.microsoft.com/office/drawing/2014/main" xmlns="" id="{EF78E221-BBA3-4343-A77E-877A1EEA9419}"/>
                 </a:ext>
               </a:extLst>
             </p:cNvPr>
@@ -5119,7 +5200,7 @@
             <p:cNvPr id="39" name="그림 38">
               <a:extLst>
                 <a:ext uri="{FF2B5EF4-FFF2-40B4-BE49-F238E27FC236}">
-                  <a16:creationId xmlns:a16="http://schemas.microsoft.com/office/drawing/2014/main" id="{556896B7-913F-4B92-A2EE-F17D9EE22E8C}"/>
+                  <a16:creationId xmlns:a16="http://schemas.microsoft.com/office/drawing/2014/main" xmlns="" id="{556896B7-913F-4B92-A2EE-F17D9EE22E8C}"/>
                 </a:ext>
               </a:extLst>
             </p:cNvPr>
@@ -5149,7 +5230,7 @@
             <p:cNvPr id="41" name="그림 40">
               <a:extLst>
                 <a:ext uri="{FF2B5EF4-FFF2-40B4-BE49-F238E27FC236}">
-                  <a16:creationId xmlns:a16="http://schemas.microsoft.com/office/drawing/2014/main" id="{AB4A50BC-164B-4079-A65E-2F537B663D67}"/>
+                  <a16:creationId xmlns:a16="http://schemas.microsoft.com/office/drawing/2014/main" xmlns="" id="{AB4A50BC-164B-4079-A65E-2F537B663D67}"/>
                 </a:ext>
               </a:extLst>
             </p:cNvPr>
@@ -5179,7 +5260,7 @@
             <p:cNvPr id="43" name="그림 42">
               <a:extLst>
                 <a:ext uri="{FF2B5EF4-FFF2-40B4-BE49-F238E27FC236}">
-                  <a16:creationId xmlns:a16="http://schemas.microsoft.com/office/drawing/2014/main" id="{5510F914-36F6-40E1-8E83-030B5B79030D}"/>
+                  <a16:creationId xmlns:a16="http://schemas.microsoft.com/office/drawing/2014/main" xmlns="" id="{5510F914-36F6-40E1-8E83-030B5B79030D}"/>
                 </a:ext>
               </a:extLst>
             </p:cNvPr>
@@ -5209,7 +5290,7 @@
             <p:cNvPr id="45" name="그림 44">
               <a:extLst>
                 <a:ext uri="{FF2B5EF4-FFF2-40B4-BE49-F238E27FC236}">
-                  <a16:creationId xmlns:a16="http://schemas.microsoft.com/office/drawing/2014/main" id="{90887C42-524A-4EE3-B6AD-4C6FB2A30BFC}"/>
+                  <a16:creationId xmlns:a16="http://schemas.microsoft.com/office/drawing/2014/main" xmlns="" id="{90887C42-524A-4EE3-B6AD-4C6FB2A30BFC}"/>
                 </a:ext>
               </a:extLst>
             </p:cNvPr>
@@ -5239,7 +5320,7 @@
             <p:cNvPr id="47" name="그림 46">
               <a:extLst>
                 <a:ext uri="{FF2B5EF4-FFF2-40B4-BE49-F238E27FC236}">
-                  <a16:creationId xmlns:a16="http://schemas.microsoft.com/office/drawing/2014/main" id="{FDB8A7B6-394E-4214-820B-E6B6D703FEF5}"/>
+                  <a16:creationId xmlns:a16="http://schemas.microsoft.com/office/drawing/2014/main" xmlns="" id="{FDB8A7B6-394E-4214-820B-E6B6D703FEF5}"/>
                 </a:ext>
               </a:extLst>
             </p:cNvPr>
@@ -5375,7 +5456,7 @@
           <p:cNvPr id="2" name="슬라이드 번호 개체 틀 1">
             <a:extLst>
               <a:ext uri="{FF2B5EF4-FFF2-40B4-BE49-F238E27FC236}">
-                <a16:creationId xmlns:a16="http://schemas.microsoft.com/office/drawing/2014/main" id="{DFA9523A-FE8A-40ED-A3FE-FFC4FE867470}"/>
+                <a16:creationId xmlns:a16="http://schemas.microsoft.com/office/drawing/2014/main" xmlns="" id="{DFA9523A-FE8A-40ED-A3FE-FFC4FE867470}"/>
               </a:ext>
             </a:extLst>
           </p:cNvPr>
@@ -5424,7 +5505,7 @@
               <p:cNvPr id="3" name="제목 2">
                 <a:extLst>
                   <a:ext uri="{FF2B5EF4-FFF2-40B4-BE49-F238E27FC236}">
-                    <a16:creationId xmlns:a16="http://schemas.microsoft.com/office/drawing/2014/main" id="{E5B3669A-161F-46A5-9796-E3392434D94A}"/>
+                    <a16:creationId xmlns:a16="http://schemas.microsoft.com/office/drawing/2014/main" xmlns="" id="{E5B3669A-161F-46A5-9796-E3392434D94A}"/>
                   </a:ext>
                 </a:extLst>
               </p:cNvPr>
@@ -5523,7 +5604,7 @@
           <p:cNvPr id="4" name="내용 개체 틀 3">
             <a:extLst>
               <a:ext uri="{FF2B5EF4-FFF2-40B4-BE49-F238E27FC236}">
-                <a16:creationId xmlns:a16="http://schemas.microsoft.com/office/drawing/2014/main" id="{CF13B49B-EA0B-4EBF-AA25-578857DB8EDA}"/>
+                <a16:creationId xmlns:a16="http://schemas.microsoft.com/office/drawing/2014/main" xmlns="" id="{CF13B49B-EA0B-4EBF-AA25-578857DB8EDA}"/>
               </a:ext>
             </a:extLst>
           </p:cNvPr>
@@ -5772,7 +5853,7 @@
           <p:cNvPr id="6" name="그림 5">
             <a:extLst>
               <a:ext uri="{FF2B5EF4-FFF2-40B4-BE49-F238E27FC236}">
-                <a16:creationId xmlns:a16="http://schemas.microsoft.com/office/drawing/2014/main" id="{F2FD09E5-5C5F-4FB1-9AB2-7CB2F0946361}"/>
+                <a16:creationId xmlns:a16="http://schemas.microsoft.com/office/drawing/2014/main" xmlns="" id="{F2FD09E5-5C5F-4FB1-9AB2-7CB2F0946361}"/>
               </a:ext>
             </a:extLst>
           </p:cNvPr>
@@ -6093,6 +6174,10 @@
                     <a:sym typeface="Wingdings" panose="05000000000000000000" pitchFamily="2" charset="2"/>
                   </a:rPr>
                   <a:t></a:t>
+                </a:r>
+                <a:r>
+                  <a:rPr lang="en-US" altLang="ko-KR" dirty="0"/>
+                  <a:t/>
                 </a:r>
                 <a:br>
                   <a:rPr lang="en-US" altLang="ko-KR" dirty="0"/>
@@ -6443,7 +6528,7 @@
           <p:cNvPr id="11" name="내용 개체 틀 3">
             <a:extLst>
               <a:ext uri="{FF2B5EF4-FFF2-40B4-BE49-F238E27FC236}">
-                <a16:creationId xmlns:a16="http://schemas.microsoft.com/office/drawing/2014/main" id="{9BF9F9DE-5EAF-453A-936F-BC3C6010FC6B}"/>
+                <a16:creationId xmlns:a16="http://schemas.microsoft.com/office/drawing/2014/main" xmlns="" id="{9BF9F9DE-5EAF-453A-936F-BC3C6010FC6B}"/>
               </a:ext>
             </a:extLst>
           </p:cNvPr>
@@ -6663,7 +6748,7 @@
           <p:cNvPr id="13" name="내용 개체 틀 3">
             <a:extLst>
               <a:ext uri="{FF2B5EF4-FFF2-40B4-BE49-F238E27FC236}">
-                <a16:creationId xmlns:a16="http://schemas.microsoft.com/office/drawing/2014/main" id="{1C7B544F-9712-40B6-A0A8-6C154F65C23C}"/>
+                <a16:creationId xmlns:a16="http://schemas.microsoft.com/office/drawing/2014/main" xmlns="" id="{1C7B544F-9712-40B6-A0A8-6C154F65C23C}"/>
               </a:ext>
             </a:extLst>
           </p:cNvPr>
@@ -6883,7 +6968,7 @@
           <p:cNvPr id="14" name="내용 개체 틀 3">
             <a:extLst>
               <a:ext uri="{FF2B5EF4-FFF2-40B4-BE49-F238E27FC236}">
-                <a16:creationId xmlns:a16="http://schemas.microsoft.com/office/drawing/2014/main" id="{A96219FC-13C5-47CE-8529-1BC8718C1594}"/>
+                <a16:creationId xmlns:a16="http://schemas.microsoft.com/office/drawing/2014/main" xmlns="" id="{A96219FC-13C5-47CE-8529-1BC8718C1594}"/>
               </a:ext>
             </a:extLst>
           </p:cNvPr>
@@ -7462,7 +7547,7 @@
           <a:graphicData uri="http://schemas.openxmlformats.org/presentationml/2006/ole">
             <mc:AlternateContent xmlns:mc="http://schemas.openxmlformats.org/markup-compatibility/2006">
               <mc:Choice xmlns:v="urn:schemas-microsoft-com:vml" Requires="v">
-                <p:oleObj spid="_x0000_s7242" name="Equation" r:id="rId4" imgW="1841400" imgH="711000" progId="Equation.DSMT4">
+                <p:oleObj spid="_x0000_s7248" name="Equation" r:id="rId4" imgW="1841400" imgH="711000" progId="Equation.DSMT4">
                   <p:embed/>
                 </p:oleObj>
               </mc:Choice>
@@ -7513,7 +7598,7 @@
           <a:graphicData uri="http://schemas.openxmlformats.org/presentationml/2006/ole">
             <mc:AlternateContent xmlns:mc="http://schemas.openxmlformats.org/markup-compatibility/2006">
               <mc:Choice xmlns:v="urn:schemas-microsoft-com:vml" Requires="v">
-                <p:oleObj spid="_x0000_s7243" name="Equation" r:id="rId6" imgW="1815840" imgH="647640" progId="Equation.DSMT4">
+                <p:oleObj spid="_x0000_s7249" name="Equation" r:id="rId6" imgW="1815840" imgH="647640" progId="Equation.DSMT4">
                   <p:embed/>
                 </p:oleObj>
               </mc:Choice>
@@ -7570,7 +7655,7 @@
           <a:graphicData uri="http://schemas.openxmlformats.org/presentationml/2006/ole">
             <mc:AlternateContent xmlns:mc="http://schemas.openxmlformats.org/markup-compatibility/2006">
               <mc:Choice xmlns:v="urn:schemas-microsoft-com:vml" Requires="v">
-                <p:oleObj spid="_x0000_s7244" name="Equation" r:id="rId8" imgW="2997000" imgH="1143000" progId="Equation.DSMT4">
+                <p:oleObj spid="_x0000_s7250" name="Equation" r:id="rId8" imgW="2997000" imgH="1143000" progId="Equation.DSMT4">
                   <p:embed/>
                 </p:oleObj>
               </mc:Choice>
@@ -7881,7 +7966,7 @@
           <a:graphicData uri="http://schemas.openxmlformats.org/presentationml/2006/ole">
             <mc:AlternateContent xmlns:mc="http://schemas.openxmlformats.org/markup-compatibility/2006">
               <mc:Choice xmlns:v="urn:schemas-microsoft-com:vml" Requires="v">
-                <p:oleObj spid="_x0000_s6171" name="Equation" r:id="rId4" imgW="4470120" imgH="761760" progId="Equation.DSMT4">
+                <p:oleObj spid="_x0000_s6173" name="Equation" r:id="rId4" imgW="4470120" imgH="761760" progId="Equation.DSMT4">
                   <p:embed/>
                 </p:oleObj>
               </mc:Choice>
@@ -9282,7 +9367,7 @@
           <a:graphicData uri="http://schemas.openxmlformats.org/presentationml/2006/ole">
             <mc:AlternateContent xmlns:mc="http://schemas.openxmlformats.org/markup-compatibility/2006">
               <mc:Choice xmlns:v="urn:schemas-microsoft-com:vml" Requires="v">
-                <p:oleObj spid="_x0000_s5229" name="Equation" r:id="rId3" imgW="3784320" imgH="787320" progId="Equation.DSMT4">
+                <p:oleObj spid="_x0000_s5237" name="Equation" r:id="rId3" imgW="3784320" imgH="787320" progId="Equation.DSMT4">
                   <p:embed/>
                 </p:oleObj>
               </mc:Choice>
@@ -9369,7 +9454,7 @@
           <a:graphicData uri="http://schemas.openxmlformats.org/presentationml/2006/ole">
             <mc:AlternateContent xmlns:mc="http://schemas.openxmlformats.org/markup-compatibility/2006">
               <mc:Choice xmlns:v="urn:schemas-microsoft-com:vml" Requires="v">
-                <p:oleObj spid="_x0000_s5230" name="Equation" r:id="rId6" imgW="1815840" imgH="647640" progId="Equation.DSMT4">
+                <p:oleObj spid="_x0000_s5238" name="Equation" r:id="rId6" imgW="1815840" imgH="647640" progId="Equation.DSMT4">
                   <p:embed/>
                 </p:oleObj>
               </mc:Choice>
@@ -9426,7 +9511,7 @@
           <a:graphicData uri="http://schemas.openxmlformats.org/presentationml/2006/ole">
             <mc:AlternateContent xmlns:mc="http://schemas.openxmlformats.org/markup-compatibility/2006">
               <mc:Choice xmlns:v="urn:schemas-microsoft-com:vml" Requires="v">
-                <p:oleObj spid="_x0000_s5231" name="Equation" r:id="rId8" imgW="5968800" imgH="1498320" progId="Equation.DSMT4">
+                <p:oleObj spid="_x0000_s5239" name="Equation" r:id="rId8" imgW="5968800" imgH="1498320" progId="Equation.DSMT4">
                   <p:embed/>
                 </p:oleObj>
               </mc:Choice>
@@ -9483,7 +9568,7 @@
           <a:graphicData uri="http://schemas.openxmlformats.org/presentationml/2006/ole">
             <mc:AlternateContent xmlns:mc="http://schemas.openxmlformats.org/markup-compatibility/2006">
               <mc:Choice xmlns:v="urn:schemas-microsoft-com:vml" Requires="v">
-                <p:oleObj spid="_x0000_s5232" name="Equation" r:id="rId10" imgW="4165560" imgH="1041120" progId="Equation.DSMT4">
+                <p:oleObj spid="_x0000_s5240" name="Equation" r:id="rId10" imgW="4165560" imgH="1041120" progId="Equation.DSMT4">
                   <p:embed/>
                 </p:oleObj>
               </mc:Choice>
@@ -9553,7 +9638,7 @@
           <p:cNvPr id="2" name="슬라이드 번호 개체 틀 1">
             <a:extLst>
               <a:ext uri="{FF2B5EF4-FFF2-40B4-BE49-F238E27FC236}">
-                <a16:creationId xmlns:a16="http://schemas.microsoft.com/office/drawing/2014/main" id="{2FBE9B23-5FC7-4F72-BD26-BCC8F53D4449}"/>
+                <a16:creationId xmlns:a16="http://schemas.microsoft.com/office/drawing/2014/main" xmlns="" id="{2FBE9B23-5FC7-4F72-BD26-BCC8F53D4449}"/>
               </a:ext>
             </a:extLst>
           </p:cNvPr>
@@ -9600,7 +9685,7 @@
           <p:cNvPr id="3" name="제목 2">
             <a:extLst>
               <a:ext uri="{FF2B5EF4-FFF2-40B4-BE49-F238E27FC236}">
-                <a16:creationId xmlns:a16="http://schemas.microsoft.com/office/drawing/2014/main" id="{F33F9598-470F-453F-B1B1-E526E2844B64}"/>
+                <a16:creationId xmlns:a16="http://schemas.microsoft.com/office/drawing/2014/main" xmlns="" id="{F33F9598-470F-453F-B1B1-E526E2844B64}"/>
               </a:ext>
             </a:extLst>
           </p:cNvPr>
@@ -9632,7 +9717,7 @@
           <p:cNvPr id="5" name="내용 개체 틀 4">
             <a:extLst>
               <a:ext uri="{FF2B5EF4-FFF2-40B4-BE49-F238E27FC236}">
-                <a16:creationId xmlns:a16="http://schemas.microsoft.com/office/drawing/2014/main" id="{AA537E1B-458C-4F0C-88F5-EE20282D2B39}"/>
+                <a16:creationId xmlns:a16="http://schemas.microsoft.com/office/drawing/2014/main" xmlns="" id="{AA537E1B-458C-4F0C-88F5-EE20282D2B39}"/>
               </a:ext>
             </a:extLst>
           </p:cNvPr>
@@ -9694,7 +9779,7 @@
           <p:cNvPr id="2" name="슬라이드 번호 개체 틀 1">
             <a:extLst>
               <a:ext uri="{FF2B5EF4-FFF2-40B4-BE49-F238E27FC236}">
-                <a16:creationId xmlns:a16="http://schemas.microsoft.com/office/drawing/2014/main" id="{F2290CF0-8B1E-4B34-AA06-F155C06CC71F}"/>
+                <a16:creationId xmlns:a16="http://schemas.microsoft.com/office/drawing/2014/main" xmlns="" id="{F2290CF0-8B1E-4B34-AA06-F155C06CC71F}"/>
               </a:ext>
             </a:extLst>
           </p:cNvPr>
@@ -9741,7 +9826,7 @@
           <p:cNvPr id="3" name="제목 2">
             <a:extLst>
               <a:ext uri="{FF2B5EF4-FFF2-40B4-BE49-F238E27FC236}">
-                <a16:creationId xmlns:a16="http://schemas.microsoft.com/office/drawing/2014/main" id="{2FB01EA6-63D5-4B37-8F7B-596B1517B9B5}"/>
+                <a16:creationId xmlns:a16="http://schemas.microsoft.com/office/drawing/2014/main" xmlns="" id="{2FB01EA6-63D5-4B37-8F7B-596B1517B9B5}"/>
               </a:ext>
             </a:extLst>
           </p:cNvPr>
@@ -9773,7 +9858,7 @@
           <p:cNvPr id="4" name="내용 개체 틀 3">
             <a:extLst>
               <a:ext uri="{FF2B5EF4-FFF2-40B4-BE49-F238E27FC236}">
-                <a16:creationId xmlns:a16="http://schemas.microsoft.com/office/drawing/2014/main" id="{17110D09-BB6D-4AC7-A0BD-B652004B23B8}"/>
+                <a16:creationId xmlns:a16="http://schemas.microsoft.com/office/drawing/2014/main" xmlns="" id="{17110D09-BB6D-4AC7-A0BD-B652004B23B8}"/>
               </a:ext>
             </a:extLst>
           </p:cNvPr>
@@ -9939,7 +10024,7 @@
           <p:cNvPr id="7" name="그림 6">
             <a:extLst>
               <a:ext uri="{FF2B5EF4-FFF2-40B4-BE49-F238E27FC236}">
-                <a16:creationId xmlns:a16="http://schemas.microsoft.com/office/drawing/2014/main" id="{BC864A8C-7FC7-463A-9B61-AFE56839BD50}"/>
+                <a16:creationId xmlns:a16="http://schemas.microsoft.com/office/drawing/2014/main" xmlns="" id="{BC864A8C-7FC7-463A-9B61-AFE56839BD50}"/>
               </a:ext>
             </a:extLst>
           </p:cNvPr>
@@ -9974,7 +10059,7 @@
           <p:cNvPr id="10" name="내용 개체 틀 3">
             <a:extLst>
               <a:ext uri="{FF2B5EF4-FFF2-40B4-BE49-F238E27FC236}">
-                <a16:creationId xmlns:a16="http://schemas.microsoft.com/office/drawing/2014/main" id="{80FFFF23-085A-48AB-9BB9-9EBC4F3C9A7A}"/>
+                <a16:creationId xmlns:a16="http://schemas.microsoft.com/office/drawing/2014/main" xmlns="" id="{80FFFF23-085A-48AB-9BB9-9EBC4F3C9A7A}"/>
               </a:ext>
             </a:extLst>
           </p:cNvPr>
@@ -10468,7 +10553,7 @@
           <a:graphicData uri="http://schemas.openxmlformats.org/presentationml/2006/ole">
             <mc:AlternateContent xmlns:mc="http://schemas.openxmlformats.org/markup-compatibility/2006">
               <mc:Choice xmlns:v="urn:schemas-microsoft-com:vml" Requires="v">
-                <p:oleObj spid="_x0000_s1118" name="Equation" r:id="rId4" imgW="761760" imgH="393480" progId="Equation.DSMT4">
+                <p:oleObj spid="_x0000_s1122" name="Equation" r:id="rId4" imgW="761760" imgH="393480" progId="Equation.DSMT4">
                   <p:embed/>
                 </p:oleObj>
               </mc:Choice>
@@ -10525,7 +10610,7 @@
           <a:graphicData uri="http://schemas.openxmlformats.org/presentationml/2006/ole">
             <mc:AlternateContent xmlns:mc="http://schemas.openxmlformats.org/markup-compatibility/2006">
               <mc:Choice xmlns:v="urn:schemas-microsoft-com:vml" Requires="v">
-                <p:oleObj spid="_x0000_s1119" name="Equation" r:id="rId6" imgW="2095200" imgH="393480" progId="Equation.DSMT4">
+                <p:oleObj spid="_x0000_s1123" name="Equation" r:id="rId6" imgW="2095200" imgH="393480" progId="Equation.DSMT4">
                   <p:embed/>
                 </p:oleObj>
               </mc:Choice>
@@ -11471,7 +11556,7 @@
           <a:graphicData uri="http://schemas.openxmlformats.org/presentationml/2006/ole">
             <mc:AlternateContent xmlns:mc="http://schemas.openxmlformats.org/markup-compatibility/2006">
               <mc:Choice xmlns:v="urn:schemas-microsoft-com:vml" Requires="v">
-                <p:oleObj spid="_x0000_s2226" name="Equation" r:id="rId4" imgW="1473120" imgH="291960" progId="Equation.DSMT4">
+                <p:oleObj spid="_x0000_s2234" name="Equation" r:id="rId4" imgW="1473120" imgH="291960" progId="Equation.DSMT4">
                   <p:embed/>
                 </p:oleObj>
               </mc:Choice>
@@ -11528,7 +11613,7 @@
           <a:graphicData uri="http://schemas.openxmlformats.org/presentationml/2006/ole">
             <mc:AlternateContent xmlns:mc="http://schemas.openxmlformats.org/markup-compatibility/2006">
               <mc:Choice xmlns:v="urn:schemas-microsoft-com:vml" Requires="v">
-                <p:oleObj spid="_x0000_s2227" name="Equation" r:id="rId6" imgW="1002960" imgH="228600" progId="Equation.DSMT4">
+                <p:oleObj spid="_x0000_s2235" name="Equation" r:id="rId6" imgW="1002960" imgH="228600" progId="Equation.DSMT4">
                   <p:embed/>
                 </p:oleObj>
               </mc:Choice>
@@ -11585,7 +11670,7 @@
           <a:graphicData uri="http://schemas.openxmlformats.org/presentationml/2006/ole">
             <mc:AlternateContent xmlns:mc="http://schemas.openxmlformats.org/markup-compatibility/2006">
               <mc:Choice xmlns:v="urn:schemas-microsoft-com:vml" Requires="v">
-                <p:oleObj spid="_x0000_s2228" name="Equation" r:id="rId8" imgW="711000" imgH="241200" progId="Equation.DSMT4">
+                <p:oleObj spid="_x0000_s2236" name="Equation" r:id="rId8" imgW="711000" imgH="241200" progId="Equation.DSMT4">
                   <p:embed/>
                 </p:oleObj>
               </mc:Choice>
@@ -11642,7 +11727,7 @@
           <a:graphicData uri="http://schemas.openxmlformats.org/presentationml/2006/ole">
             <mc:AlternateContent xmlns:mc="http://schemas.openxmlformats.org/markup-compatibility/2006">
               <mc:Choice xmlns:v="urn:schemas-microsoft-com:vml" Requires="v">
-                <p:oleObj spid="_x0000_s2229" name="Equation" r:id="rId10" imgW="1180800" imgH="507960" progId="Equation.DSMT4">
+                <p:oleObj spid="_x0000_s2237" name="Equation" r:id="rId10" imgW="1180800" imgH="507960" progId="Equation.DSMT4">
                   <p:embed/>
                 </p:oleObj>
               </mc:Choice>
@@ -11891,7 +11976,7 @@
           <a:graphicData uri="http://schemas.openxmlformats.org/presentationml/2006/ole">
             <mc:AlternateContent xmlns:mc="http://schemas.openxmlformats.org/markup-compatibility/2006">
               <mc:Choice xmlns:v="urn:schemas-microsoft-com:vml" Requires="v">
-                <p:oleObj spid="_x0000_s3337" name="Equation" r:id="rId4" imgW="4470120" imgH="291960" progId="Equation.DSMT4">
+                <p:oleObj spid="_x0000_s3347" name="Equation" r:id="rId4" imgW="4470120" imgH="291960" progId="Equation.DSMT4">
                   <p:embed/>
                 </p:oleObj>
               </mc:Choice>
@@ -11948,7 +12033,7 @@
           <a:graphicData uri="http://schemas.openxmlformats.org/presentationml/2006/ole">
             <mc:AlternateContent xmlns:mc="http://schemas.openxmlformats.org/markup-compatibility/2006">
               <mc:Choice xmlns:v="urn:schemas-microsoft-com:vml" Requires="v">
-                <p:oleObj spid="_x0000_s3338" name="Equation" r:id="rId6" imgW="4203360" imgH="241200" progId="Equation.DSMT4">
+                <p:oleObj spid="_x0000_s3348" name="Equation" r:id="rId6" imgW="4203360" imgH="241200" progId="Equation.DSMT4">
                   <p:embed/>
                 </p:oleObj>
               </mc:Choice>
@@ -12005,7 +12090,7 @@
           <a:graphicData uri="http://schemas.openxmlformats.org/presentationml/2006/ole">
             <mc:AlternateContent xmlns:mc="http://schemas.openxmlformats.org/markup-compatibility/2006">
               <mc:Choice xmlns:v="urn:schemas-microsoft-com:vml" Requires="v">
-                <p:oleObj spid="_x0000_s3339" name="Equation" r:id="rId8" imgW="2628720" imgH="241200" progId="Equation.DSMT4">
+                <p:oleObj spid="_x0000_s3349" name="Equation" r:id="rId8" imgW="2628720" imgH="241200" progId="Equation.DSMT4">
                   <p:embed/>
                 </p:oleObj>
               </mc:Choice>
@@ -12062,7 +12147,7 @@
           <a:graphicData uri="http://schemas.openxmlformats.org/presentationml/2006/ole">
             <mc:AlternateContent xmlns:mc="http://schemas.openxmlformats.org/markup-compatibility/2006">
               <mc:Choice xmlns:v="urn:schemas-microsoft-com:vml" Requires="v">
-                <p:oleObj spid="_x0000_s3340" name="Equation" r:id="rId10" imgW="3174840" imgH="291960" progId="Equation.DSMT4">
+                <p:oleObj spid="_x0000_s3350" name="Equation" r:id="rId10" imgW="3174840" imgH="291960" progId="Equation.DSMT4">
                   <p:embed/>
                 </p:oleObj>
               </mc:Choice>
@@ -12119,7 +12204,7 @@
           <a:graphicData uri="http://schemas.openxmlformats.org/presentationml/2006/ole">
             <mc:AlternateContent xmlns:mc="http://schemas.openxmlformats.org/markup-compatibility/2006">
               <mc:Choice xmlns:v="urn:schemas-microsoft-com:vml" Requires="v">
-                <p:oleObj spid="_x0000_s3341" name="Equation" r:id="rId12" imgW="1714320" imgH="253800" progId="Equation.DSMT4">
+                <p:oleObj spid="_x0000_s3351" name="Equation" r:id="rId12" imgW="1714320" imgH="253800" progId="Equation.DSMT4">
                   <p:embed/>
                 </p:oleObj>
               </mc:Choice>
@@ -12189,7 +12274,7 @@
           <p:cNvPr id="2" name="슬라이드 번호 개체 틀 1">
             <a:extLst>
               <a:ext uri="{FF2B5EF4-FFF2-40B4-BE49-F238E27FC236}">
-                <a16:creationId xmlns:a16="http://schemas.microsoft.com/office/drawing/2014/main" id="{69E4BB55-9867-42D5-AABF-EF37B4C7F8B5}"/>
+                <a16:creationId xmlns:a16="http://schemas.microsoft.com/office/drawing/2014/main" xmlns="" id="{69E4BB55-9867-42D5-AABF-EF37B4C7F8B5}"/>
               </a:ext>
             </a:extLst>
           </p:cNvPr>
@@ -12238,7 +12323,7 @@
               <p:cNvPr id="3" name="제목 2">
                 <a:extLst>
                   <a:ext uri="{FF2B5EF4-FFF2-40B4-BE49-F238E27FC236}">
-                    <a16:creationId xmlns:a16="http://schemas.microsoft.com/office/drawing/2014/main" id="{D7CD3CC6-7F5A-421F-9786-8993E277DE00}"/>
+                    <a16:creationId xmlns:a16="http://schemas.microsoft.com/office/drawing/2014/main" xmlns="" id="{D7CD3CC6-7F5A-421F-9786-8993E277DE00}"/>
                   </a:ext>
                 </a:extLst>
               </p:cNvPr>
@@ -12338,7 +12423,7 @@
           <p:cNvPr id="6" name="내용 개체 틀 5">
             <a:extLst>
               <a:ext uri="{FF2B5EF4-FFF2-40B4-BE49-F238E27FC236}">
-                <a16:creationId xmlns:a16="http://schemas.microsoft.com/office/drawing/2014/main" id="{26E65B15-652C-471C-B503-9BD1A7ECA9FF}"/>
+                <a16:creationId xmlns:a16="http://schemas.microsoft.com/office/drawing/2014/main" xmlns="" id="{26E65B15-652C-471C-B503-9BD1A7ECA9FF}"/>
               </a:ext>
             </a:extLst>
           </p:cNvPr>
@@ -12367,7 +12452,7 @@
           <p:cNvPr id="8" name="그림 7">
             <a:extLst>
               <a:ext uri="{FF2B5EF4-FFF2-40B4-BE49-F238E27FC236}">
-                <a16:creationId xmlns:a16="http://schemas.microsoft.com/office/drawing/2014/main" id="{8D86471E-9C3A-40C3-8F27-66A11AC93C24}"/>
+                <a16:creationId xmlns:a16="http://schemas.microsoft.com/office/drawing/2014/main" xmlns="" id="{8D86471E-9C3A-40C3-8F27-66A11AC93C24}"/>
               </a:ext>
             </a:extLst>
           </p:cNvPr>
